--- a/Модуль5_Серых.pptx
+++ b/Модуль5_Серых.pptx
@@ -4,6 +4,9 @@
   <p:sldMasterIdLst>
     <p:sldMasterId id="2147483648" r:id="rId1"/>
   </p:sldMasterIdLst>
+  <p:notesMasterIdLst>
+    <p:notesMasterId r:id="rId17"/>
+  </p:notesMasterIdLst>
   <p:sldIdLst>
     <p:sldId id="257" r:id="rId2"/>
     <p:sldId id="258" r:id="rId3"/>
@@ -16,7 +19,10 @@
     <p:sldId id="265" r:id="rId10"/>
     <p:sldId id="266" r:id="rId11"/>
     <p:sldId id="267" r:id="rId12"/>
-    <p:sldId id="268" r:id="rId13"/>
+    <p:sldId id="269" r:id="rId13"/>
+    <p:sldId id="270" r:id="rId14"/>
+    <p:sldId id="271" r:id="rId15"/>
+    <p:sldId id="268" r:id="rId16"/>
   </p:sldIdLst>
   <p:sldSz cx="12192000" cy="6858000"/>
   <p:notesSz cx="6858000" cy="9144000"/>
@@ -123,6 +129,356 @@
 </p:presentation>
 </file>
 
+<file path=ppt/notesMasters/notesMaster1.xml><?xml version="1.0" encoding="utf-8"?>
+<p:notesMaster xmlns:a="http://schemas.openxmlformats.org/drawingml/2006/main" xmlns:r="http://schemas.openxmlformats.org/officeDocument/2006/relationships" xmlns:p="http://schemas.openxmlformats.org/presentationml/2006/main">
+  <p:cSld>
+    <p:bg>
+      <p:bgRef idx="1001">
+        <a:schemeClr val="bg1"/>
+      </p:bgRef>
+    </p:bg>
+    <p:spTree>
+      <p:nvGrpSpPr>
+        <p:cNvPr id="1" name=""/>
+        <p:cNvGrpSpPr/>
+        <p:nvPr/>
+      </p:nvGrpSpPr>
+      <p:grpSpPr>
+        <a:xfrm>
+          <a:off x="0" y="0"/>
+          <a:ext cx="0" cy="0"/>
+          <a:chOff x="0" y="0"/>
+          <a:chExt cx="0" cy="0"/>
+        </a:xfrm>
+      </p:grpSpPr>
+      <p:sp>
+        <p:nvSpPr>
+          <p:cNvPr id="2" name="Верхний колонтитул 1"/>
+          <p:cNvSpPr>
+            <a:spLocks noGrp="1"/>
+          </p:cNvSpPr>
+          <p:nvPr>
+            <p:ph type="hdr" sz="quarter"/>
+          </p:nvPr>
+        </p:nvSpPr>
+        <p:spPr>
+          <a:xfrm>
+            <a:off x="0" y="0"/>
+            <a:ext cx="2971800" cy="458788"/>
+          </a:xfrm>
+          <a:prstGeom prst="rect">
+            <a:avLst/>
+          </a:prstGeom>
+        </p:spPr>
+        <p:txBody>
+          <a:bodyPr vert="horz" lIns="91440" tIns="45720" rIns="91440" bIns="45720" rtlCol="0"/>
+          <a:lstStyle>
+            <a:lvl1pPr algn="l">
+              <a:defRPr sz="1200"/>
+            </a:lvl1pPr>
+          </a:lstStyle>
+          <a:p>
+            <a:endParaRPr lang="ru-RU"/>
+          </a:p>
+        </p:txBody>
+      </p:sp>
+      <p:sp>
+        <p:nvSpPr>
+          <p:cNvPr id="3" name="Дата 2"/>
+          <p:cNvSpPr>
+            <a:spLocks noGrp="1"/>
+          </p:cNvSpPr>
+          <p:nvPr>
+            <p:ph type="dt" idx="1"/>
+          </p:nvPr>
+        </p:nvSpPr>
+        <p:spPr>
+          <a:xfrm>
+            <a:off x="3884613" y="0"/>
+            <a:ext cx="2971800" cy="458788"/>
+          </a:xfrm>
+          <a:prstGeom prst="rect">
+            <a:avLst/>
+          </a:prstGeom>
+        </p:spPr>
+        <p:txBody>
+          <a:bodyPr vert="horz" lIns="91440" tIns="45720" rIns="91440" bIns="45720" rtlCol="0"/>
+          <a:lstStyle>
+            <a:lvl1pPr algn="r">
+              <a:defRPr sz="1200"/>
+            </a:lvl1pPr>
+          </a:lstStyle>
+          <a:p>
+            <a:fld id="{74280964-576D-4D64-89A2-6CBB357639B1}" type="datetimeFigureOut">
+              <a:rPr lang="ru-RU" smtClean="0"/>
+              <a:t>22.05.2024</a:t>
+            </a:fld>
+            <a:endParaRPr lang="ru-RU"/>
+          </a:p>
+        </p:txBody>
+      </p:sp>
+      <p:sp>
+        <p:nvSpPr>
+          <p:cNvPr id="4" name="Образ слайда 3"/>
+          <p:cNvSpPr>
+            <a:spLocks noGrp="1" noRot="1" noChangeAspect="1"/>
+          </p:cNvSpPr>
+          <p:nvPr>
+            <p:ph type="sldImg" idx="2"/>
+          </p:nvPr>
+        </p:nvSpPr>
+        <p:spPr>
+          <a:xfrm>
+            <a:off x="685800" y="1143000"/>
+            <a:ext cx="5486400" cy="3086100"/>
+          </a:xfrm>
+          <a:prstGeom prst="rect">
+            <a:avLst/>
+          </a:prstGeom>
+          <a:noFill/>
+          <a:ln w="12700">
+            <a:solidFill>
+              <a:prstClr val="black"/>
+            </a:solidFill>
+          </a:ln>
+        </p:spPr>
+        <p:txBody>
+          <a:bodyPr vert="horz" lIns="91440" tIns="45720" rIns="91440" bIns="45720" rtlCol="0" anchor="ctr"/>
+          <a:lstStyle/>
+          <a:p>
+            <a:endParaRPr lang="ru-RU"/>
+          </a:p>
+        </p:txBody>
+      </p:sp>
+      <p:sp>
+        <p:nvSpPr>
+          <p:cNvPr id="5" name="Заметки 4"/>
+          <p:cNvSpPr>
+            <a:spLocks noGrp="1"/>
+          </p:cNvSpPr>
+          <p:nvPr>
+            <p:ph type="body" sz="quarter" idx="3"/>
+          </p:nvPr>
+        </p:nvSpPr>
+        <p:spPr>
+          <a:xfrm>
+            <a:off x="685800" y="4400550"/>
+            <a:ext cx="5486400" cy="3600450"/>
+          </a:xfrm>
+          <a:prstGeom prst="rect">
+            <a:avLst/>
+          </a:prstGeom>
+        </p:spPr>
+        <p:txBody>
+          <a:bodyPr vert="horz" lIns="91440" tIns="45720" rIns="91440" bIns="45720" rtlCol="0"/>
+          <a:lstStyle/>
+          <a:p>
+            <a:pPr lvl="0"/>
+            <a:r>
+              <a:rPr lang="ru-RU" smtClean="0"/>
+              <a:t>Образец текста</a:t>
+            </a:r>
+          </a:p>
+          <a:p>
+            <a:pPr lvl="1"/>
+            <a:r>
+              <a:rPr lang="ru-RU" smtClean="0"/>
+              <a:t>Второй уровень</a:t>
+            </a:r>
+          </a:p>
+          <a:p>
+            <a:pPr lvl="2"/>
+            <a:r>
+              <a:rPr lang="ru-RU" smtClean="0"/>
+              <a:t>Третий уровень</a:t>
+            </a:r>
+          </a:p>
+          <a:p>
+            <a:pPr lvl="3"/>
+            <a:r>
+              <a:rPr lang="ru-RU" smtClean="0"/>
+              <a:t>Четвертый уровень</a:t>
+            </a:r>
+          </a:p>
+          <a:p>
+            <a:pPr lvl="4"/>
+            <a:r>
+              <a:rPr lang="ru-RU" smtClean="0"/>
+              <a:t>Пятый уровень</a:t>
+            </a:r>
+            <a:endParaRPr lang="ru-RU"/>
+          </a:p>
+        </p:txBody>
+      </p:sp>
+      <p:sp>
+        <p:nvSpPr>
+          <p:cNvPr id="6" name="Нижний колонтитул 5"/>
+          <p:cNvSpPr>
+            <a:spLocks noGrp="1"/>
+          </p:cNvSpPr>
+          <p:nvPr>
+            <p:ph type="ftr" sz="quarter" idx="4"/>
+          </p:nvPr>
+        </p:nvSpPr>
+        <p:spPr>
+          <a:xfrm>
+            <a:off x="0" y="8685213"/>
+            <a:ext cx="2971800" cy="458787"/>
+          </a:xfrm>
+          <a:prstGeom prst="rect">
+            <a:avLst/>
+          </a:prstGeom>
+        </p:spPr>
+        <p:txBody>
+          <a:bodyPr vert="horz" lIns="91440" tIns="45720" rIns="91440" bIns="45720" rtlCol="0" anchor="b"/>
+          <a:lstStyle>
+            <a:lvl1pPr algn="l">
+              <a:defRPr sz="1200"/>
+            </a:lvl1pPr>
+          </a:lstStyle>
+          <a:p>
+            <a:endParaRPr lang="ru-RU"/>
+          </a:p>
+        </p:txBody>
+      </p:sp>
+      <p:sp>
+        <p:nvSpPr>
+          <p:cNvPr id="7" name="Номер слайда 6"/>
+          <p:cNvSpPr>
+            <a:spLocks noGrp="1"/>
+          </p:cNvSpPr>
+          <p:nvPr>
+            <p:ph type="sldNum" sz="quarter" idx="5"/>
+          </p:nvPr>
+        </p:nvSpPr>
+        <p:spPr>
+          <a:xfrm>
+            <a:off x="3884613" y="8685213"/>
+            <a:ext cx="2971800" cy="458787"/>
+          </a:xfrm>
+          <a:prstGeom prst="rect">
+            <a:avLst/>
+          </a:prstGeom>
+        </p:spPr>
+        <p:txBody>
+          <a:bodyPr vert="horz" lIns="91440" tIns="45720" rIns="91440" bIns="45720" rtlCol="0" anchor="b"/>
+          <a:lstStyle>
+            <a:lvl1pPr algn="r">
+              <a:defRPr sz="1200"/>
+            </a:lvl1pPr>
+          </a:lstStyle>
+          <a:p>
+            <a:fld id="{C0296117-C825-4357-8C4B-7E3A6132CF5A}" type="slidenum">
+              <a:rPr lang="ru-RU" smtClean="0"/>
+              <a:t>‹#›</a:t>
+            </a:fld>
+            <a:endParaRPr lang="ru-RU"/>
+          </a:p>
+        </p:txBody>
+      </p:sp>
+    </p:spTree>
+    <p:extLst>
+      <p:ext uri="{BB962C8B-B14F-4D97-AF65-F5344CB8AC3E}">
+        <p14:creationId xmlns:p14="http://schemas.microsoft.com/office/powerpoint/2010/main" val="3427188918"/>
+      </p:ext>
+    </p:extLst>
+  </p:cSld>
+  <p:clrMap bg1="lt1" tx1="dk1" bg2="lt2" tx2="dk2" accent1="accent1" accent2="accent2" accent3="accent3" accent4="accent4" accent5="accent5" accent6="accent6" hlink="hlink" folHlink="folHlink"/>
+  <p:notesStyle>
+    <a:lvl1pPr marL="0" algn="l" defTabSz="914400" rtl="0" eaLnBrk="1" latinLnBrk="0" hangingPunct="1">
+      <a:defRPr sz="1200" kern="1200">
+        <a:solidFill>
+          <a:schemeClr val="tx1"/>
+        </a:solidFill>
+        <a:latin typeface="+mn-lt"/>
+        <a:ea typeface="+mn-ea"/>
+        <a:cs typeface="+mn-cs"/>
+      </a:defRPr>
+    </a:lvl1pPr>
+    <a:lvl2pPr marL="457200" algn="l" defTabSz="914400" rtl="0" eaLnBrk="1" latinLnBrk="0" hangingPunct="1">
+      <a:defRPr sz="1200" kern="1200">
+        <a:solidFill>
+          <a:schemeClr val="tx1"/>
+        </a:solidFill>
+        <a:latin typeface="+mn-lt"/>
+        <a:ea typeface="+mn-ea"/>
+        <a:cs typeface="+mn-cs"/>
+      </a:defRPr>
+    </a:lvl2pPr>
+    <a:lvl3pPr marL="914400" algn="l" defTabSz="914400" rtl="0" eaLnBrk="1" latinLnBrk="0" hangingPunct="1">
+      <a:defRPr sz="1200" kern="1200">
+        <a:solidFill>
+          <a:schemeClr val="tx1"/>
+        </a:solidFill>
+        <a:latin typeface="+mn-lt"/>
+        <a:ea typeface="+mn-ea"/>
+        <a:cs typeface="+mn-cs"/>
+      </a:defRPr>
+    </a:lvl3pPr>
+    <a:lvl4pPr marL="1371600" algn="l" defTabSz="914400" rtl="0" eaLnBrk="1" latinLnBrk="0" hangingPunct="1">
+      <a:defRPr sz="1200" kern="1200">
+        <a:solidFill>
+          <a:schemeClr val="tx1"/>
+        </a:solidFill>
+        <a:latin typeface="+mn-lt"/>
+        <a:ea typeface="+mn-ea"/>
+        <a:cs typeface="+mn-cs"/>
+      </a:defRPr>
+    </a:lvl4pPr>
+    <a:lvl5pPr marL="1828800" algn="l" defTabSz="914400" rtl="0" eaLnBrk="1" latinLnBrk="0" hangingPunct="1">
+      <a:defRPr sz="1200" kern="1200">
+        <a:solidFill>
+          <a:schemeClr val="tx1"/>
+        </a:solidFill>
+        <a:latin typeface="+mn-lt"/>
+        <a:ea typeface="+mn-ea"/>
+        <a:cs typeface="+mn-cs"/>
+      </a:defRPr>
+    </a:lvl5pPr>
+    <a:lvl6pPr marL="2286000" algn="l" defTabSz="914400" rtl="0" eaLnBrk="1" latinLnBrk="0" hangingPunct="1">
+      <a:defRPr sz="1200" kern="1200">
+        <a:solidFill>
+          <a:schemeClr val="tx1"/>
+        </a:solidFill>
+        <a:latin typeface="+mn-lt"/>
+        <a:ea typeface="+mn-ea"/>
+        <a:cs typeface="+mn-cs"/>
+      </a:defRPr>
+    </a:lvl6pPr>
+    <a:lvl7pPr marL="2743200" algn="l" defTabSz="914400" rtl="0" eaLnBrk="1" latinLnBrk="0" hangingPunct="1">
+      <a:defRPr sz="1200" kern="1200">
+        <a:solidFill>
+          <a:schemeClr val="tx1"/>
+        </a:solidFill>
+        <a:latin typeface="+mn-lt"/>
+        <a:ea typeface="+mn-ea"/>
+        <a:cs typeface="+mn-cs"/>
+      </a:defRPr>
+    </a:lvl7pPr>
+    <a:lvl8pPr marL="3200400" algn="l" defTabSz="914400" rtl="0" eaLnBrk="1" latinLnBrk="0" hangingPunct="1">
+      <a:defRPr sz="1200" kern="1200">
+        <a:solidFill>
+          <a:schemeClr val="tx1"/>
+        </a:solidFill>
+        <a:latin typeface="+mn-lt"/>
+        <a:ea typeface="+mn-ea"/>
+        <a:cs typeface="+mn-cs"/>
+      </a:defRPr>
+    </a:lvl8pPr>
+    <a:lvl9pPr marL="3657600" algn="l" defTabSz="914400" rtl="0" eaLnBrk="1" latinLnBrk="0" hangingPunct="1">
+      <a:defRPr sz="1200" kern="1200">
+        <a:solidFill>
+          <a:schemeClr val="tx1"/>
+        </a:solidFill>
+        <a:latin typeface="+mn-lt"/>
+        <a:ea typeface="+mn-ea"/>
+        <a:cs typeface="+mn-cs"/>
+      </a:defRPr>
+    </a:lvl9pPr>
+  </p:notesStyle>
+</p:notesMaster>
+</file>
+
 <file path=ppt/slideLayouts/slideLayout1.xml><?xml version="1.0" encoding="utf-8"?>
 <p:sldLayout xmlns:a="http://schemas.openxmlformats.org/drawingml/2006/main" xmlns:r="http://schemas.openxmlformats.org/officeDocument/2006/relationships" xmlns:p="http://schemas.openxmlformats.org/presentationml/2006/main" type="title" preserve="1">
   <p:cSld name="Титульный слайд">
@@ -252,9 +608,9 @@
           <a:bodyPr/>
           <a:lstStyle/>
           <a:p>
-            <a:fld id="{E590EEF5-F131-4A80-ADD3-BC4D0090C970}" type="datetimeFigureOut">
+            <a:fld id="{BE74ED1B-F89B-4258-B6E1-AAE9D6C8F168}" type="datetime1">
               <a:rPr lang="ru-RU" smtClean="0"/>
-              <a:t>03.05.2024</a:t>
+              <a:t>22.05.2024</a:t>
             </a:fld>
             <a:endParaRPr lang="ru-RU"/>
           </a:p>
@@ -422,9 +778,9 @@
           <a:bodyPr/>
           <a:lstStyle/>
           <a:p>
-            <a:fld id="{E590EEF5-F131-4A80-ADD3-BC4D0090C970}" type="datetimeFigureOut">
+            <a:fld id="{E70F2F42-4ED5-406D-86B2-28A7C63EE064}" type="datetime1">
               <a:rPr lang="ru-RU" smtClean="0"/>
-              <a:t>03.05.2024</a:t>
+              <a:t>22.05.2024</a:t>
             </a:fld>
             <a:endParaRPr lang="ru-RU"/>
           </a:p>
@@ -602,9 +958,9 @@
           <a:bodyPr/>
           <a:lstStyle/>
           <a:p>
-            <a:fld id="{E590EEF5-F131-4A80-ADD3-BC4D0090C970}" type="datetimeFigureOut">
+            <a:fld id="{A4372857-5FC1-4639-BC71-1CF8585561BB}" type="datetime1">
               <a:rPr lang="ru-RU" smtClean="0"/>
-              <a:t>03.05.2024</a:t>
+              <a:t>22.05.2024</a:t>
             </a:fld>
             <a:endParaRPr lang="ru-RU"/>
           </a:p>
@@ -772,9 +1128,9 @@
           <a:bodyPr/>
           <a:lstStyle/>
           <a:p>
-            <a:fld id="{E590EEF5-F131-4A80-ADD3-BC4D0090C970}" type="datetimeFigureOut">
+            <a:fld id="{A61FBEC8-733E-499C-B91A-32AA1287762D}" type="datetime1">
               <a:rPr lang="ru-RU" smtClean="0"/>
-              <a:t>03.05.2024</a:t>
+              <a:t>22.05.2024</a:t>
             </a:fld>
             <a:endParaRPr lang="ru-RU"/>
           </a:p>
@@ -1018,9 +1374,9 @@
           <a:bodyPr/>
           <a:lstStyle/>
           <a:p>
-            <a:fld id="{E590EEF5-F131-4A80-ADD3-BC4D0090C970}" type="datetimeFigureOut">
+            <a:fld id="{87A384B3-8C02-4835-951A-7DB6BFC86FE3}" type="datetime1">
               <a:rPr lang="ru-RU" smtClean="0"/>
-              <a:t>03.05.2024</a:t>
+              <a:t>22.05.2024</a:t>
             </a:fld>
             <a:endParaRPr lang="ru-RU"/>
           </a:p>
@@ -1250,9 +1606,9 @@
           <a:bodyPr/>
           <a:lstStyle/>
           <a:p>
-            <a:fld id="{E590EEF5-F131-4A80-ADD3-BC4D0090C970}" type="datetimeFigureOut">
+            <a:fld id="{A9358248-507E-4D9C-94A5-8461440E5282}" type="datetime1">
               <a:rPr lang="ru-RU" smtClean="0"/>
-              <a:t>03.05.2024</a:t>
+              <a:t>22.05.2024</a:t>
             </a:fld>
             <a:endParaRPr lang="ru-RU"/>
           </a:p>
@@ -1617,9 +1973,9 @@
           <a:bodyPr/>
           <a:lstStyle/>
           <a:p>
-            <a:fld id="{E590EEF5-F131-4A80-ADD3-BC4D0090C970}" type="datetimeFigureOut">
+            <a:fld id="{14C6B9AB-6F93-40F0-A91F-6795E3672D0F}" type="datetime1">
               <a:rPr lang="ru-RU" smtClean="0"/>
-              <a:t>03.05.2024</a:t>
+              <a:t>22.05.2024</a:t>
             </a:fld>
             <a:endParaRPr lang="ru-RU"/>
           </a:p>
@@ -1735,9 +2091,9 @@
           <a:bodyPr/>
           <a:lstStyle/>
           <a:p>
-            <a:fld id="{E590EEF5-F131-4A80-ADD3-BC4D0090C970}" type="datetimeFigureOut">
+            <a:fld id="{C1713D8D-A9BD-4F4A-B7B1-DA9ECEB76BB5}" type="datetime1">
               <a:rPr lang="ru-RU" smtClean="0"/>
-              <a:t>03.05.2024</a:t>
+              <a:t>22.05.2024</a:t>
             </a:fld>
             <a:endParaRPr lang="ru-RU"/>
           </a:p>
@@ -1830,9 +2186,9 @@
           <a:bodyPr/>
           <a:lstStyle/>
           <a:p>
-            <a:fld id="{E590EEF5-F131-4A80-ADD3-BC4D0090C970}" type="datetimeFigureOut">
+            <a:fld id="{DC970A61-9B80-4540-B6ED-1C425B712D01}" type="datetime1">
               <a:rPr lang="ru-RU" smtClean="0"/>
-              <a:t>03.05.2024</a:t>
+              <a:t>22.05.2024</a:t>
             </a:fld>
             <a:endParaRPr lang="ru-RU"/>
           </a:p>
@@ -2107,9 +2463,9 @@
           <a:bodyPr/>
           <a:lstStyle/>
           <a:p>
-            <a:fld id="{E590EEF5-F131-4A80-ADD3-BC4D0090C970}" type="datetimeFigureOut">
+            <a:fld id="{531183A4-282A-4AB0-AC54-0814E95DDD40}" type="datetime1">
               <a:rPr lang="ru-RU" smtClean="0"/>
-              <a:t>03.05.2024</a:t>
+              <a:t>22.05.2024</a:t>
             </a:fld>
             <a:endParaRPr lang="ru-RU"/>
           </a:p>
@@ -2360,9 +2716,9 @@
           <a:bodyPr/>
           <a:lstStyle/>
           <a:p>
-            <a:fld id="{E590EEF5-F131-4A80-ADD3-BC4D0090C970}" type="datetimeFigureOut">
+            <a:fld id="{9B2010DE-EF03-4B9B-9D4E-F389076EADD4}" type="datetime1">
               <a:rPr lang="ru-RU" smtClean="0"/>
-              <a:t>03.05.2024</a:t>
+              <a:t>22.05.2024</a:t>
             </a:fld>
             <a:endParaRPr lang="ru-RU"/>
           </a:p>
@@ -2573,9 +2929,9 @@
             </a:lvl1pPr>
           </a:lstStyle>
           <a:p>
-            <a:fld id="{E590EEF5-F131-4A80-ADD3-BC4D0090C970}" type="datetimeFigureOut">
+            <a:fld id="{BD5EF8CA-D8A0-4311-A956-9F02A2489743}" type="datetime1">
               <a:rPr lang="ru-RU" smtClean="0"/>
-              <a:t>03.05.2024</a:t>
+              <a:t>22.05.2024</a:t>
             </a:fld>
             <a:endParaRPr lang="ru-RU"/>
           </a:p>
@@ -2680,6 +3036,7 @@
     <p:sldLayoutId id="2147483658" r:id="rId10"/>
     <p:sldLayoutId id="2147483659" r:id="rId11"/>
   </p:sldLayoutIdLst>
+  <p:hf hdr="0" ftr="0" dt="0"/>
   <p:txStyles>
     <p:titleStyle>
       <a:lvl1pPr algn="l" defTabSz="914400" rtl="0" eaLnBrk="1" latinLnBrk="0" hangingPunct="1">
@@ -3282,7 +3639,7 @@
         <p:spPr>
           <a:xfrm>
             <a:off x="537778" y="731520"/>
-            <a:ext cx="11207991" cy="5120640"/>
+            <a:ext cx="11512145" cy="5259600"/>
           </a:xfrm>
           <a:prstGeom prst="rect">
             <a:avLst/>
@@ -3294,6 +3651,29 @@
           </a:ln>
         </p:spPr>
       </p:pic>
+      <p:sp>
+        <p:nvSpPr>
+          <p:cNvPr id="2" name="Номер слайда 1"/>
+          <p:cNvSpPr>
+            <a:spLocks noGrp="1"/>
+          </p:cNvSpPr>
+          <p:nvPr>
+            <p:ph type="sldNum" sz="quarter" idx="12"/>
+          </p:nvPr>
+        </p:nvSpPr>
+        <p:spPr/>
+        <p:txBody>
+          <a:bodyPr/>
+          <a:lstStyle/>
+          <a:p>
+            <a:fld id="{3582650B-22EC-4DD7-A3AF-1AFC60778833}" type="slidenum">
+              <a:rPr lang="ru-RU" smtClean="0"/>
+              <a:t>10</a:t>
+            </a:fld>
+            <a:endParaRPr lang="ru-RU"/>
+          </a:p>
+        </p:txBody>
+      </p:sp>
     </p:spTree>
     <p:extLst>
       <p:ext uri="{BB962C8B-B14F-4D97-AF65-F5344CB8AC3E}">
@@ -3347,8 +3727,8 @@
         </p:blipFill>
         <p:spPr>
           <a:xfrm>
-            <a:off x="403426" y="844731"/>
-            <a:ext cx="11313990" cy="5158802"/>
+            <a:off x="368592" y="766354"/>
+            <a:ext cx="11535054" cy="5259600"/>
           </a:xfrm>
           <a:prstGeom prst="rect">
             <a:avLst/>
@@ -3360,6 +3740,29 @@
           </a:ln>
         </p:spPr>
       </p:pic>
+      <p:sp>
+        <p:nvSpPr>
+          <p:cNvPr id="2" name="Номер слайда 1"/>
+          <p:cNvSpPr>
+            <a:spLocks noGrp="1"/>
+          </p:cNvSpPr>
+          <p:nvPr>
+            <p:ph type="sldNum" sz="quarter" idx="12"/>
+          </p:nvPr>
+        </p:nvSpPr>
+        <p:spPr/>
+        <p:txBody>
+          <a:bodyPr/>
+          <a:lstStyle/>
+          <a:p>
+            <a:fld id="{3582650B-22EC-4DD7-A3AF-1AFC60778833}" type="slidenum">
+              <a:rPr lang="ru-RU" smtClean="0"/>
+              <a:t>11</a:t>
+            </a:fld>
+            <a:endParaRPr lang="ru-RU"/>
+          </a:p>
+        </p:txBody>
+      </p:sp>
     </p:spTree>
     <p:extLst>
       <p:ext uri="{BB962C8B-B14F-4D97-AF65-F5344CB8AC3E}">
@@ -3399,6 +3802,252 @@
       </p:grpSpPr>
       <p:sp>
         <p:nvSpPr>
+          <p:cNvPr id="2" name="Номер слайда 1"/>
+          <p:cNvSpPr>
+            <a:spLocks noGrp="1"/>
+          </p:cNvSpPr>
+          <p:nvPr>
+            <p:ph type="sldNum" sz="quarter" idx="12"/>
+          </p:nvPr>
+        </p:nvSpPr>
+        <p:spPr/>
+        <p:txBody>
+          <a:bodyPr/>
+          <a:lstStyle/>
+          <a:p>
+            <a:fld id="{3582650B-22EC-4DD7-A3AF-1AFC60778833}" type="slidenum">
+              <a:rPr lang="ru-RU" smtClean="0"/>
+              <a:t>12</a:t>
+            </a:fld>
+            <a:endParaRPr lang="ru-RU"/>
+          </a:p>
+        </p:txBody>
+      </p:sp>
+      <p:pic>
+        <p:nvPicPr>
+          <p:cNvPr id="4" name="Рисунок 3"/>
+          <p:cNvPicPr>
+            <a:picLocks noChangeAspect="1"/>
+          </p:cNvPicPr>
+          <p:nvPr/>
+        </p:nvPicPr>
+        <p:blipFill>
+          <a:blip r:embed="rId2"/>
+          <a:stretch>
+            <a:fillRect/>
+          </a:stretch>
+        </p:blipFill>
+        <p:spPr>
+          <a:xfrm>
+            <a:off x="348342" y="695061"/>
+            <a:ext cx="11564983" cy="5259600"/>
+          </a:xfrm>
+          <a:prstGeom prst="rect">
+            <a:avLst/>
+          </a:prstGeom>
+          <a:ln>
+            <a:solidFill>
+              <a:schemeClr val="tx1"/>
+            </a:solidFill>
+          </a:ln>
+        </p:spPr>
+      </p:pic>
+    </p:spTree>
+    <p:extLst>
+      <p:ext uri="{BB962C8B-B14F-4D97-AF65-F5344CB8AC3E}">
+        <p14:creationId xmlns:p14="http://schemas.microsoft.com/office/powerpoint/2010/main" val="376196158"/>
+      </p:ext>
+    </p:extLst>
+  </p:cSld>
+  <p:clrMapOvr>
+    <a:masterClrMapping/>
+  </p:clrMapOvr>
+</p:sld>
+</file>
+
+<file path=ppt/slides/slide13.xml><?xml version="1.0" encoding="utf-8"?>
+<p:sld xmlns:a="http://schemas.openxmlformats.org/drawingml/2006/main" xmlns:r="http://schemas.openxmlformats.org/officeDocument/2006/relationships" xmlns:p="http://schemas.openxmlformats.org/presentationml/2006/main">
+  <p:cSld>
+    <p:spTree>
+      <p:nvGrpSpPr>
+        <p:cNvPr id="1" name=""/>
+        <p:cNvGrpSpPr/>
+        <p:nvPr/>
+      </p:nvGrpSpPr>
+      <p:grpSpPr>
+        <a:xfrm>
+          <a:off x="0" y="0"/>
+          <a:ext cx="0" cy="0"/>
+          <a:chOff x="0" y="0"/>
+          <a:chExt cx="0" cy="0"/>
+        </a:xfrm>
+      </p:grpSpPr>
+      <p:sp>
+        <p:nvSpPr>
+          <p:cNvPr id="2" name="Номер слайда 1"/>
+          <p:cNvSpPr>
+            <a:spLocks noGrp="1"/>
+          </p:cNvSpPr>
+          <p:nvPr>
+            <p:ph type="sldNum" sz="quarter" idx="12"/>
+          </p:nvPr>
+        </p:nvSpPr>
+        <p:spPr/>
+        <p:txBody>
+          <a:bodyPr/>
+          <a:lstStyle/>
+          <a:p>
+            <a:fld id="{3582650B-22EC-4DD7-A3AF-1AFC60778833}" type="slidenum">
+              <a:rPr lang="ru-RU" smtClean="0"/>
+              <a:t>13</a:t>
+            </a:fld>
+            <a:endParaRPr lang="ru-RU"/>
+          </a:p>
+        </p:txBody>
+      </p:sp>
+      <p:pic>
+        <p:nvPicPr>
+          <p:cNvPr id="3" name="Рисунок 2"/>
+          <p:cNvPicPr>
+            <a:picLocks noChangeAspect="1"/>
+          </p:cNvPicPr>
+          <p:nvPr/>
+        </p:nvPicPr>
+        <p:blipFill>
+          <a:blip r:embed="rId2"/>
+          <a:stretch>
+            <a:fillRect/>
+          </a:stretch>
+        </p:blipFill>
+        <p:spPr>
+          <a:xfrm>
+            <a:off x="366542" y="657186"/>
+            <a:ext cx="11522706" cy="5308011"/>
+          </a:xfrm>
+          <a:prstGeom prst="rect">
+            <a:avLst/>
+          </a:prstGeom>
+          <a:ln>
+            <a:solidFill>
+              <a:schemeClr val="tx1"/>
+            </a:solidFill>
+          </a:ln>
+        </p:spPr>
+      </p:pic>
+    </p:spTree>
+    <p:extLst>
+      <p:ext uri="{BB962C8B-B14F-4D97-AF65-F5344CB8AC3E}">
+        <p14:creationId xmlns:p14="http://schemas.microsoft.com/office/powerpoint/2010/main" val="185139508"/>
+      </p:ext>
+    </p:extLst>
+  </p:cSld>
+  <p:clrMapOvr>
+    <a:masterClrMapping/>
+  </p:clrMapOvr>
+</p:sld>
+</file>
+
+<file path=ppt/slides/slide14.xml><?xml version="1.0" encoding="utf-8"?>
+<p:sld xmlns:a="http://schemas.openxmlformats.org/drawingml/2006/main" xmlns:r="http://schemas.openxmlformats.org/officeDocument/2006/relationships" xmlns:p="http://schemas.openxmlformats.org/presentationml/2006/main">
+  <p:cSld>
+    <p:spTree>
+      <p:nvGrpSpPr>
+        <p:cNvPr id="1" name=""/>
+        <p:cNvGrpSpPr/>
+        <p:nvPr/>
+      </p:nvGrpSpPr>
+      <p:grpSpPr>
+        <a:xfrm>
+          <a:off x="0" y="0"/>
+          <a:ext cx="0" cy="0"/>
+          <a:chOff x="0" y="0"/>
+          <a:chExt cx="0" cy="0"/>
+        </a:xfrm>
+      </p:grpSpPr>
+      <p:sp>
+        <p:nvSpPr>
+          <p:cNvPr id="2" name="Номер слайда 1"/>
+          <p:cNvSpPr>
+            <a:spLocks noGrp="1"/>
+          </p:cNvSpPr>
+          <p:nvPr>
+            <p:ph type="sldNum" sz="quarter" idx="12"/>
+          </p:nvPr>
+        </p:nvSpPr>
+        <p:spPr/>
+        <p:txBody>
+          <a:bodyPr/>
+          <a:lstStyle/>
+          <a:p>
+            <a:fld id="{3582650B-22EC-4DD7-A3AF-1AFC60778833}" type="slidenum">
+              <a:rPr lang="ru-RU" smtClean="0"/>
+              <a:t>14</a:t>
+            </a:fld>
+            <a:endParaRPr lang="ru-RU"/>
+          </a:p>
+        </p:txBody>
+      </p:sp>
+      <p:pic>
+        <p:nvPicPr>
+          <p:cNvPr id="3" name="Рисунок 2"/>
+          <p:cNvPicPr>
+            <a:picLocks noChangeAspect="1"/>
+          </p:cNvPicPr>
+          <p:nvPr/>
+        </p:nvPicPr>
+        <p:blipFill>
+          <a:blip r:embed="rId2"/>
+          <a:stretch>
+            <a:fillRect/>
+          </a:stretch>
+        </p:blipFill>
+        <p:spPr>
+          <a:xfrm>
+            <a:off x="394448" y="636495"/>
+            <a:ext cx="11403105" cy="5281653"/>
+          </a:xfrm>
+          <a:prstGeom prst="rect">
+            <a:avLst/>
+          </a:prstGeom>
+          <a:ln>
+            <a:solidFill>
+              <a:schemeClr val="tx1"/>
+            </a:solidFill>
+          </a:ln>
+        </p:spPr>
+      </p:pic>
+    </p:spTree>
+    <p:extLst>
+      <p:ext uri="{BB962C8B-B14F-4D97-AF65-F5344CB8AC3E}">
+        <p14:creationId xmlns:p14="http://schemas.microsoft.com/office/powerpoint/2010/main" val="2811042659"/>
+      </p:ext>
+    </p:extLst>
+  </p:cSld>
+  <p:clrMapOvr>
+    <a:masterClrMapping/>
+  </p:clrMapOvr>
+</p:sld>
+</file>
+
+<file path=ppt/slides/slide15.xml><?xml version="1.0" encoding="utf-8"?>
+<p:sld xmlns:a="http://schemas.openxmlformats.org/drawingml/2006/main" xmlns:r="http://schemas.openxmlformats.org/officeDocument/2006/relationships" xmlns:p="http://schemas.openxmlformats.org/presentationml/2006/main">
+  <p:cSld>
+    <p:spTree>
+      <p:nvGrpSpPr>
+        <p:cNvPr id="1" name=""/>
+        <p:cNvGrpSpPr/>
+        <p:nvPr/>
+      </p:nvGrpSpPr>
+      <p:grpSpPr>
+        <a:xfrm>
+          <a:off x="0" y="0"/>
+          <a:ext cx="0" cy="0"/>
+          <a:chOff x="0" y="0"/>
+          <a:chExt cx="0" cy="0"/>
+        </a:xfrm>
+      </p:grpSpPr>
+      <p:sp>
+        <p:nvSpPr>
           <p:cNvPr id="3" name="TextBox 2"/>
           <p:cNvSpPr txBox="1"/>
           <p:nvPr/>
@@ -3471,6 +4120,35 @@
           </a:prstGeom>
         </p:spPr>
       </p:pic>
+      <p:sp>
+        <p:nvSpPr>
+          <p:cNvPr id="4" name="Номер слайда 3"/>
+          <p:cNvSpPr>
+            <a:spLocks noGrp="1"/>
+          </p:cNvSpPr>
+          <p:nvPr>
+            <p:ph type="sldNum" sz="quarter" idx="12"/>
+          </p:nvPr>
+        </p:nvSpPr>
+        <p:spPr/>
+        <p:txBody>
+          <a:bodyPr/>
+          <a:lstStyle/>
+          <a:p>
+            <a:fld id="{3582650B-22EC-4DD7-A3AF-1AFC60778833}" type="slidenum">
+              <a:rPr lang="ru-RU" smtClean="0">
+                <a:latin typeface="Times New Roman" panose="02020603050405020304" pitchFamily="18" charset="0"/>
+                <a:cs typeface="Times New Roman" panose="02020603050405020304" pitchFamily="18" charset="0"/>
+              </a:rPr>
+              <a:t>15</a:t>
+            </a:fld>
+            <a:endParaRPr lang="ru-RU" dirty="0">
+              <a:latin typeface="Times New Roman" panose="02020603050405020304" pitchFamily="18" charset="0"/>
+              <a:cs typeface="Times New Roman" panose="02020603050405020304" pitchFamily="18" charset="0"/>
+            </a:endParaRPr>
+          </a:p>
+        </p:txBody>
+      </p:sp>
     </p:spTree>
     <p:extLst>
       <p:ext uri="{BB962C8B-B14F-4D97-AF65-F5344CB8AC3E}">
@@ -3638,6 +4316,35 @@
           </a:p>
         </p:txBody>
       </p:sp>
+      <p:sp>
+        <p:nvSpPr>
+          <p:cNvPr id="3" name="Номер слайда 2"/>
+          <p:cNvSpPr>
+            <a:spLocks noGrp="1"/>
+          </p:cNvSpPr>
+          <p:nvPr>
+            <p:ph type="sldNum" sz="quarter" idx="12"/>
+          </p:nvPr>
+        </p:nvSpPr>
+        <p:spPr/>
+        <p:txBody>
+          <a:bodyPr/>
+          <a:lstStyle/>
+          <a:p>
+            <a:fld id="{3582650B-22EC-4DD7-A3AF-1AFC60778833}" type="slidenum">
+              <a:rPr lang="ru-RU" smtClean="0">
+                <a:latin typeface="Times New Roman" panose="02020603050405020304" pitchFamily="18" charset="0"/>
+                <a:cs typeface="Times New Roman" panose="02020603050405020304" pitchFamily="18" charset="0"/>
+              </a:rPr>
+              <a:t>2</a:t>
+            </a:fld>
+            <a:endParaRPr lang="ru-RU" dirty="0">
+              <a:latin typeface="Times New Roman" panose="02020603050405020304" pitchFamily="18" charset="0"/>
+              <a:cs typeface="Times New Roman" panose="02020603050405020304" pitchFamily="18" charset="0"/>
+            </a:endParaRPr>
+          </a:p>
+        </p:txBody>
+      </p:sp>
     </p:spTree>
     <p:extLst>
       <p:ext uri="{BB962C8B-B14F-4D97-AF65-F5344CB8AC3E}">
@@ -3684,7 +4391,7 @@
         <p:spPr>
           <a:xfrm>
             <a:off x="818605" y="474345"/>
-            <a:ext cx="10589623" cy="6463308"/>
+            <a:ext cx="10589623" cy="6186309"/>
           </a:xfrm>
           <a:prstGeom prst="rect">
             <a:avLst/>
@@ -3729,7 +4436,6 @@
             </a:r>
           </a:p>
           <a:p>
-            <a:pPr lvl="0" algn="just"/>
             <a:r>
               <a:rPr lang="ru-RU" dirty="0">
                 <a:solidFill>
@@ -3745,33 +4451,22 @@
                 <a:latin typeface="Times New Roman" panose="02020603050405020304" pitchFamily="18" charset="0"/>
                 <a:cs typeface="Times New Roman" panose="02020603050405020304" pitchFamily="18" charset="0"/>
               </a:rPr>
-              <a:t>Цель проекта: предоставление </a:t>
+              <a:t>Цель проекта: Создание многофункциональной онлайн-платформы, где пользователи могут легко и удобно выбирать, сравнивать и покупать автомобили, запчасти и </a:t>
             </a:r>
             <a:r>
               <a:rPr lang="ru-RU" dirty="0" smtClean="0">
                 <a:latin typeface="Times New Roman" panose="02020603050405020304" pitchFamily="18" charset="0"/>
                 <a:cs typeface="Times New Roman" panose="02020603050405020304" pitchFamily="18" charset="0"/>
               </a:rPr>
-              <a:t>информации и </a:t>
+              <a:t>аксессуары. Предоставление </a:t>
             </a:r>
             <a:r>
               <a:rPr lang="ru-RU" dirty="0">
                 <a:latin typeface="Times New Roman" panose="02020603050405020304" pitchFamily="18" charset="0"/>
                 <a:cs typeface="Times New Roman" panose="02020603050405020304" pitchFamily="18" charset="0"/>
               </a:rPr>
-              <a:t>тест-драйвов для подготовки к выбору автомобиля в автосалоне, с целью обеспечения покупателей информацией и уверенностью в сделанном выборе. Содействие в предоставлении бесплатной консультации и помощи с целью повышения удовлетворенности клиентов и увеличения количества успешных покупок</a:t>
-            </a:r>
-            <a:r>
-              <a:rPr lang="ru-RU" dirty="0" smtClean="0">
-                <a:latin typeface="Times New Roman" panose="02020603050405020304" pitchFamily="18" charset="0"/>
-                <a:cs typeface="Times New Roman" panose="02020603050405020304" pitchFamily="18" charset="0"/>
-              </a:rPr>
-              <a:t>.</a:t>
-            </a:r>
-            <a:endParaRPr lang="en-US" dirty="0" smtClean="0">
-              <a:latin typeface="Times New Roman" panose="02020603050405020304" pitchFamily="18" charset="0"/>
-              <a:cs typeface="Times New Roman" panose="02020603050405020304" pitchFamily="18" charset="0"/>
-            </a:endParaRPr>
+              <a:t>клиентам широкого ассортимента товаров различных марок и моделей, чтобы удовлетворить разнообразные потребности.</a:t>
+            </a:r>
           </a:p>
           <a:p>
             <a:pPr lvl="0" algn="just"/>
@@ -3819,18 +4514,11 @@
               <a:buAutoNum type="arabicPeriod"/>
             </a:pPr>
             <a:r>
-              <a:rPr lang="ru-RU" dirty="0" smtClean="0">
-                <a:latin typeface="Times New Roman" panose="02020603050405020304" pitchFamily="18" charset="0"/>
-                <a:cs typeface="Times New Roman" panose="02020603050405020304" pitchFamily="18" charset="0"/>
-              </a:rPr>
-              <a:t>Постоянное </a:t>
-            </a:r>
-            <a:r>
               <a:rPr lang="ru-RU" dirty="0">
                 <a:latin typeface="Times New Roman" panose="02020603050405020304" pitchFamily="18" charset="0"/>
                 <a:cs typeface="Times New Roman" panose="02020603050405020304" pitchFamily="18" charset="0"/>
               </a:rPr>
-              <a:t>обновление и совершенствование контента и функционала онлайн-платформы, основанное на обратной связи от пользователей и анализе их предпочтений и потребностей</a:t>
+              <a:t>Разработка удобного интерфейса веб-платформы с интуитивно понятной навигацией для поиска и выбора товаров</a:t>
             </a:r>
             <a:r>
               <a:rPr lang="ru-RU" dirty="0" smtClean="0">
@@ -3839,10 +4527,6 @@
               </a:rPr>
               <a:t>.</a:t>
             </a:r>
-            <a:endParaRPr lang="ru-RU" dirty="0">
-              <a:latin typeface="Times New Roman" panose="02020603050405020304" pitchFamily="18" charset="0"/>
-              <a:cs typeface="Times New Roman" panose="02020603050405020304" pitchFamily="18" charset="0"/>
-            </a:endParaRPr>
           </a:p>
           <a:p>
             <a:pPr marL="342900" indent="-342900" algn="just">
@@ -3850,95 +4534,65 @@
               <a:buAutoNum type="arabicPeriod"/>
             </a:pPr>
             <a:r>
+              <a:rPr lang="ru-RU" dirty="0">
+                <a:latin typeface="Times New Roman" panose="02020603050405020304" pitchFamily="18" charset="0"/>
+                <a:cs typeface="Times New Roman" panose="02020603050405020304" pitchFamily="18" charset="0"/>
+              </a:rPr>
+              <a:t>Создание подробных каталогов автомобилей, запчастей и аксессуаров с фильтрами для быстрого поиска.</a:t>
+            </a:r>
+          </a:p>
+          <a:p>
+            <a:pPr marL="342900" indent="-342900" algn="just">
+              <a:buFont typeface="+mj-lt"/>
+              <a:buAutoNum type="arabicPeriod"/>
+            </a:pPr>
+            <a:r>
+              <a:rPr lang="ru-RU" dirty="0">
+                <a:latin typeface="Times New Roman" panose="02020603050405020304" pitchFamily="18" charset="0"/>
+                <a:cs typeface="Times New Roman" panose="02020603050405020304" pitchFamily="18" charset="0"/>
+              </a:rPr>
+              <a:t>Создание информационных разделов о предоставляемых услугах: техосмотр, </a:t>
+            </a:r>
+            <a:r>
+              <a:rPr lang="ru-RU" dirty="0" err="1">
+                <a:latin typeface="Times New Roman" panose="02020603050405020304" pitchFamily="18" charset="0"/>
+                <a:cs typeface="Times New Roman" panose="02020603050405020304" pitchFamily="18" charset="0"/>
+              </a:rPr>
+              <a:t>шиномонтаж</a:t>
+            </a:r>
+            <a:r>
+              <a:rPr lang="ru-RU" dirty="0">
+                <a:latin typeface="Times New Roman" panose="02020603050405020304" pitchFamily="18" charset="0"/>
+                <a:cs typeface="Times New Roman" panose="02020603050405020304" pitchFamily="18" charset="0"/>
+              </a:rPr>
+              <a:t>, страхование, кредитование.</a:t>
+            </a:r>
+          </a:p>
+          <a:p>
+            <a:pPr marL="342900" indent="-342900" algn="just">
+              <a:buFont typeface="+mj-lt"/>
+              <a:buAutoNum type="arabicPeriod"/>
+            </a:pPr>
+            <a:r>
+              <a:rPr lang="ru-RU" dirty="0">
+                <a:latin typeface="Times New Roman" panose="02020603050405020304" pitchFamily="18" charset="0"/>
+                <a:cs typeface="Times New Roman" panose="02020603050405020304" pitchFamily="18" charset="0"/>
+              </a:rPr>
+              <a:t>О</a:t>
+            </a:r>
+            <a:r>
               <a:rPr lang="ru-RU" dirty="0" smtClean="0">
                 <a:latin typeface="Times New Roman" panose="02020603050405020304" pitchFamily="18" charset="0"/>
                 <a:cs typeface="Times New Roman" panose="02020603050405020304" pitchFamily="18" charset="0"/>
               </a:rPr>
-              <a:t>Проведение </a:t>
+              <a:t>рганизация </a:t>
             </a:r>
             <a:r>
               <a:rPr lang="ru-RU" dirty="0">
                 <a:latin typeface="Times New Roman" panose="02020603050405020304" pitchFamily="18" charset="0"/>
                 <a:cs typeface="Times New Roman" panose="02020603050405020304" pitchFamily="18" charset="0"/>
               </a:rPr>
-              <a:t>рекламных кампаний и информационной работы, направленных на привлечение внимания потенциальных клиентов к онлайн-платформе и ее возможностям.</a:t>
-            </a:r>
-          </a:p>
-          <a:p>
-            <a:pPr marL="342900" indent="-342900" algn="just">
-              <a:buFont typeface="+mj-lt"/>
-              <a:buAutoNum type="arabicPeriod"/>
-            </a:pPr>
-            <a:r>
-              <a:rPr lang="ru-RU" dirty="0" smtClean="0">
-                <a:latin typeface="Times New Roman" panose="02020603050405020304" pitchFamily="18" charset="0"/>
-                <a:cs typeface="Times New Roman" panose="02020603050405020304" pitchFamily="18" charset="0"/>
-              </a:rPr>
-              <a:t>Разработка </a:t>
-            </a:r>
-            <a:r>
-              <a:rPr lang="ru-RU" dirty="0">
-                <a:latin typeface="Times New Roman" panose="02020603050405020304" pitchFamily="18" charset="0"/>
-                <a:cs typeface="Times New Roman" panose="02020603050405020304" pitchFamily="18" charset="0"/>
-              </a:rPr>
-              <a:t>системы онлайн-консультаций с экспертами по автомобильной индустрии для ответа на вопросы покупателей и помощи в выборе автомобиля.</a:t>
-            </a:r>
-          </a:p>
-          <a:p>
-            <a:pPr marL="342900" indent="-342900" algn="just">
-              <a:buFont typeface="+mj-lt"/>
-              <a:buAutoNum type="arabicPeriod"/>
-            </a:pPr>
-            <a:r>
-              <a:rPr lang="ru-RU" dirty="0" smtClean="0">
-                <a:latin typeface="Times New Roman" panose="02020603050405020304" pitchFamily="18" charset="0"/>
-                <a:cs typeface="Times New Roman" panose="02020603050405020304" pitchFamily="18" charset="0"/>
-              </a:rPr>
-              <a:t>Установление </a:t>
-            </a:r>
-            <a:r>
-              <a:rPr lang="ru-RU" dirty="0">
-                <a:latin typeface="Times New Roman" panose="02020603050405020304" pitchFamily="18" charset="0"/>
-                <a:cs typeface="Times New Roman" panose="02020603050405020304" pitchFamily="18" charset="0"/>
-              </a:rPr>
-              <a:t>партнерских отношений с автосалонами и организациями в автомобильной индустрии для распространения информации о проекте и использования их </a:t>
-            </a:r>
-            <a:r>
-              <a:rPr lang="ru-RU" dirty="0" smtClean="0">
-                <a:latin typeface="Times New Roman" panose="02020603050405020304" pitchFamily="18" charset="0"/>
-                <a:cs typeface="Times New Roman" panose="02020603050405020304" pitchFamily="18" charset="0"/>
-              </a:rPr>
-              <a:t>ресурсов для развития</a:t>
-            </a:r>
-            <a:r>
-              <a:rPr lang="ru-RU" dirty="0" smtClean="0">
-                <a:solidFill>
-                  <a:prstClr val="black"/>
-                </a:solidFill>
-                <a:latin typeface="Times New Roman" panose="02020603050405020304" pitchFamily="18" charset="0"/>
-                <a:cs typeface="Times New Roman" panose="02020603050405020304" pitchFamily="18" charset="0"/>
-              </a:rPr>
-              <a:t>.</a:t>
-            </a:r>
-            <a:endParaRPr lang="ru-RU" dirty="0">
-              <a:solidFill>
-                <a:prstClr val="black"/>
-              </a:solidFill>
-              <a:latin typeface="Times New Roman" panose="02020603050405020304" pitchFamily="18" charset="0"/>
-              <a:cs typeface="Times New Roman" panose="02020603050405020304" pitchFamily="18" charset="0"/>
-            </a:endParaRPr>
-          </a:p>
-          <a:p>
-            <a:pPr marL="342900" indent="-342900" algn="just">
-              <a:buFont typeface="+mj-lt"/>
-              <a:buAutoNum type="arabicPeriod"/>
-            </a:pPr>
-            <a:r>
-              <a:rPr lang="ru-RU" dirty="0">
-                <a:latin typeface="Times New Roman" panose="02020603050405020304" pitchFamily="18" charset="0"/>
-                <a:cs typeface="Times New Roman" panose="02020603050405020304" pitchFamily="18" charset="0"/>
-              </a:rPr>
-              <a:t>Развитие программы лояльности и предоставление дополнительных бонусов и скидок для постоянных клиентов с целью увеличения их удовлетворенности и вероятности повторных покупок</a:t>
+              <a:t>акций и специальных предложений для привлечения клиентов и стимулирования использования услуг</a:t>
             </a:r>
             <a:r>
               <a:rPr lang="ru-RU" dirty="0" smtClean="0">
@@ -3946,6 +4600,47 @@
                 <a:cs typeface="Times New Roman" panose="02020603050405020304" pitchFamily="18" charset="0"/>
               </a:rPr>
               <a:t>.</a:t>
+            </a:r>
+          </a:p>
+          <a:p>
+            <a:pPr marL="342900" indent="-342900" algn="just">
+              <a:buFont typeface="+mj-lt"/>
+              <a:buAutoNum type="arabicPeriod"/>
+            </a:pPr>
+            <a:r>
+              <a:rPr lang="ru-RU" dirty="0">
+                <a:latin typeface="Times New Roman" panose="02020603050405020304" pitchFamily="18" charset="0"/>
+                <a:cs typeface="Times New Roman" panose="02020603050405020304" pitchFamily="18" charset="0"/>
+              </a:rPr>
+              <a:t>П</a:t>
+            </a:r>
+            <a:r>
+              <a:rPr lang="ru-RU" dirty="0" smtClean="0">
+                <a:latin typeface="Times New Roman" panose="02020603050405020304" pitchFamily="18" charset="0"/>
+                <a:cs typeface="Times New Roman" panose="02020603050405020304" pitchFamily="18" charset="0"/>
+              </a:rPr>
+              <a:t>редоставление </a:t>
+            </a:r>
+            <a:r>
+              <a:rPr lang="ru-RU" dirty="0">
+                <a:latin typeface="Times New Roman" panose="02020603050405020304" pitchFamily="18" charset="0"/>
+                <a:cs typeface="Times New Roman" panose="02020603050405020304" pitchFamily="18" charset="0"/>
+              </a:rPr>
+              <a:t>возможности записи на </a:t>
+            </a:r>
+            <a:r>
+              <a:rPr lang="ru-RU" dirty="0" smtClean="0">
+                <a:latin typeface="Times New Roman" panose="02020603050405020304" pitchFamily="18" charset="0"/>
+                <a:cs typeface="Times New Roman" panose="02020603050405020304" pitchFamily="18" charset="0"/>
+              </a:rPr>
+              <a:t>техосмотры </a:t>
+            </a:r>
+            <a:r>
+              <a:rPr lang="ru-RU" dirty="0">
+                <a:latin typeface="Times New Roman" panose="02020603050405020304" pitchFamily="18" charset="0"/>
+                <a:cs typeface="Times New Roman" panose="02020603050405020304" pitchFamily="18" charset="0"/>
+              </a:rPr>
+              <a:t>различных моделей автомобилей с учетом пожеланий и предпочтений клиентов.</a:t>
             </a:r>
             <a:endParaRPr lang="ru-RU" dirty="0">
               <a:solidFill>
@@ -3995,12 +4690,31 @@
               <a:cs typeface="Times New Roman" panose="02020603050405020304" pitchFamily="18" charset="0"/>
             </a:endParaRPr>
           </a:p>
-          <a:p>
-            <a:pPr lvl="0" algn="just"/>
+        </p:txBody>
+      </p:sp>
+      <p:sp>
+        <p:nvSpPr>
+          <p:cNvPr id="2" name="Номер слайда 1"/>
+          <p:cNvSpPr>
+            <a:spLocks noGrp="1"/>
+          </p:cNvSpPr>
+          <p:nvPr>
+            <p:ph type="sldNum" sz="quarter" idx="12"/>
+          </p:nvPr>
+        </p:nvSpPr>
+        <p:spPr/>
+        <p:txBody>
+          <a:bodyPr/>
+          <a:lstStyle/>
+          <a:p>
+            <a:fld id="{3582650B-22EC-4DD7-A3AF-1AFC60778833}" type="slidenum">
+              <a:rPr lang="ru-RU" smtClean="0">
+                <a:latin typeface="Times New Roman" panose="02020603050405020304" pitchFamily="18" charset="0"/>
+                <a:cs typeface="Times New Roman" panose="02020603050405020304" pitchFamily="18" charset="0"/>
+              </a:rPr>
+              <a:t>3</a:t>
+            </a:fld>
             <a:endParaRPr lang="ru-RU" dirty="0">
-              <a:solidFill>
-                <a:prstClr val="black"/>
-              </a:solidFill>
               <a:latin typeface="Times New Roman" panose="02020603050405020304" pitchFamily="18" charset="0"/>
               <a:cs typeface="Times New Roman" panose="02020603050405020304" pitchFamily="18" charset="0"/>
             </a:endParaRPr>
@@ -4053,7 +4767,7 @@
         <p:spPr>
           <a:xfrm>
             <a:off x="740229" y="474014"/>
-            <a:ext cx="10702834" cy="7294305"/>
+            <a:ext cx="10702834" cy="6186309"/>
           </a:xfrm>
           <a:prstGeom prst="rect">
             <a:avLst/>
@@ -4128,119 +4842,87 @@
             </a:endParaRPr>
           </a:p>
           <a:p>
-            <a:pPr marL="342900" lvl="0" indent="-342900" algn="just">
+            <a:pPr marL="342900" indent="-342900" algn="just">
               <a:buFont typeface="+mj-lt"/>
               <a:buAutoNum type="arabicPeriod"/>
             </a:pPr>
-            <a:r>
-              <a:rPr lang="ru-RU" dirty="0" smtClean="0">
-                <a:latin typeface="Times New Roman" panose="02020603050405020304" pitchFamily="18" charset="0"/>
-                <a:cs typeface="Times New Roman" panose="02020603050405020304" pitchFamily="18" charset="0"/>
-              </a:rPr>
-              <a:t>Повышение </a:t>
-            </a:r>
             <a:r>
               <a:rPr lang="ru-RU" dirty="0">
                 <a:latin typeface="Times New Roman" panose="02020603050405020304" pitchFamily="18" charset="0"/>
                 <a:cs typeface="Times New Roman" panose="02020603050405020304" pitchFamily="18" charset="0"/>
               </a:rPr>
-              <a:t>удовлетворенности клиентов: Широкий выбор автомобилей, доступный на онлайн-платформе, а также возможность получить онлайн-консультацию от экспертов по автомобильной индустрии способствует улучшению опыта покупателей и повышению их удовлетворенности процессом выбора и приобретения </a:t>
-            </a:r>
-            <a:r>
-              <a:rPr lang="ru-RU" dirty="0" smtClean="0">
+              <a:t>Удобство и экономия времени клиентов: Предоставление возможности приобретения автомобилей, запчастей, аксессуаров и получения различных услуг, таких как техосмотр, </a:t>
+            </a:r>
+            <a:r>
+              <a:rPr lang="ru-RU" dirty="0" err="1">
                 <a:latin typeface="Times New Roman" panose="02020603050405020304" pitchFamily="18" charset="0"/>
                 <a:cs typeface="Times New Roman" panose="02020603050405020304" pitchFamily="18" charset="0"/>
               </a:rPr>
-              <a:t>автомобиля.</a:t>
-            </a:r>
-          </a:p>
-          <a:p>
-            <a:pPr marL="342900" lvl="0" indent="-342900" algn="just">
-              <a:buFont typeface="+mj-lt"/>
-              <a:buAutoNum type="arabicPeriod"/>
-            </a:pPr>
-            <a:r>
-              <a:rPr lang="ru-RU" dirty="0" smtClean="0">
-                <a:latin typeface="Times New Roman" panose="02020603050405020304" pitchFamily="18" charset="0"/>
-                <a:cs typeface="Times New Roman" panose="02020603050405020304" pitchFamily="18" charset="0"/>
-              </a:rPr>
-              <a:t>Технологический </a:t>
+              <a:t>шиномонтаж</a:t>
             </a:r>
             <a:r>
               <a:rPr lang="ru-RU" dirty="0">
                 <a:latin typeface="Times New Roman" panose="02020603050405020304" pitchFamily="18" charset="0"/>
                 <a:cs typeface="Times New Roman" panose="02020603050405020304" pitchFamily="18" charset="0"/>
               </a:rPr>
-              <a:t>прогресс: Развитие онлайн-платформы для выбора автомобилей способствует технологическому прогрессу в сфере автомобильной торговли. Внедрение новых технологий, таких как виртуальные тест-драйвы или расширенная реальность, может улучшить опыт покупателей и обеспечить более точное представление о выбранном </a:t>
-            </a:r>
-            <a:r>
-              <a:rPr lang="ru-RU" dirty="0" smtClean="0">
-                <a:latin typeface="Times New Roman" panose="02020603050405020304" pitchFamily="18" charset="0"/>
-                <a:cs typeface="Times New Roman" panose="02020603050405020304" pitchFamily="18" charset="0"/>
-              </a:rPr>
-              <a:t>автомобиле.</a:t>
-            </a:r>
-            <a:endParaRPr lang="ru-RU" dirty="0">
-              <a:solidFill>
-                <a:prstClr val="black"/>
-              </a:solidFill>
-              <a:latin typeface="Times New Roman" panose="02020603050405020304" pitchFamily="18" charset="0"/>
-              <a:cs typeface="Times New Roman" panose="02020603050405020304" pitchFamily="18" charset="0"/>
-            </a:endParaRPr>
-          </a:p>
-          <a:p>
-            <a:pPr marL="342900" lvl="0" indent="-342900" algn="just">
+              <a:t>, страхование и кредитование, на одной платформе экономит время и упрощает процесс принятия решения для клиентов.</a:t>
+            </a:r>
+          </a:p>
+          <a:p>
+            <a:pPr marL="342900" indent="-342900" algn="just">
               <a:buFont typeface="+mj-lt"/>
               <a:buAutoNum type="arabicPeriod"/>
             </a:pPr>
-            <a:r>
-              <a:rPr lang="ru-RU" dirty="0" smtClean="0">
-                <a:latin typeface="Times New Roman" panose="02020603050405020304" pitchFamily="18" charset="0"/>
-                <a:cs typeface="Times New Roman" panose="02020603050405020304" pitchFamily="18" charset="0"/>
-              </a:rPr>
-              <a:t>Доступность </a:t>
-            </a:r>
             <a:r>
               <a:rPr lang="ru-RU" dirty="0">
                 <a:latin typeface="Times New Roman" panose="02020603050405020304" pitchFamily="18" charset="0"/>
                 <a:cs typeface="Times New Roman" panose="02020603050405020304" pitchFamily="18" charset="0"/>
               </a:rPr>
-              <a:t>автотранспорта: Предоставление онлайн-платформы для выбора и приобретения автомобилей делает процесс покупки более доступным для всех покупателей, независимо от их местоположения и финансового положения. Это способствует уменьшению географических и социальных барьеров при приобретении автомобиля и обеспечивает равные возможности для всех клиентов</a:t>
-            </a:r>
-            <a:r>
-              <a:rPr lang="ru-RU" dirty="0" smtClean="0">
-                <a:latin typeface="Times New Roman" panose="02020603050405020304" pitchFamily="18" charset="0"/>
-                <a:cs typeface="Times New Roman" panose="02020603050405020304" pitchFamily="18" charset="0"/>
-              </a:rPr>
-              <a:t>.</a:t>
-            </a:r>
-          </a:p>
-          <a:p>
-            <a:pPr marL="342900" lvl="0" indent="-342900" algn="just">
+              <a:t>Увеличение конкурентоспособности бизнеса: Создание такой многофункциональной онлайн-платформы позволяет компании расширить свою аудиторию и привлечь новых клиентов за счет предоставления разнообразных услуг и удобства пользования сервисом.</a:t>
+            </a:r>
+          </a:p>
+          <a:p>
+            <a:pPr marL="342900" indent="-342900" algn="just">
               <a:buFont typeface="+mj-lt"/>
               <a:buAutoNum type="arabicPeriod"/>
             </a:pPr>
-            <a:r>
-              <a:rPr lang="ru-RU" dirty="0" smtClean="0">
-                <a:latin typeface="Times New Roman" panose="02020603050405020304" pitchFamily="18" charset="0"/>
-                <a:cs typeface="Times New Roman" panose="02020603050405020304" pitchFamily="18" charset="0"/>
-              </a:rPr>
-              <a:t>Экономическая значимость: </a:t>
-            </a:r>
             <a:r>
               <a:rPr lang="ru-RU" dirty="0">
                 <a:latin typeface="Times New Roman" panose="02020603050405020304" pitchFamily="18" charset="0"/>
                 <a:cs typeface="Times New Roman" panose="02020603050405020304" pitchFamily="18" charset="0"/>
               </a:rPr>
-              <a:t>Предоставление онлайн-платформы для выбора автомобилей помогает покупателям сэкономить время и деньги на поездках по автосалонам и поиске подходящего </a:t>
-            </a:r>
-            <a:r>
-              <a:rPr lang="ru-RU" dirty="0" smtClean="0">
+              <a:t>Повышение безопасности на дорогах: Предоставление услуг техосмотра и </a:t>
+            </a:r>
+            <a:r>
+              <a:rPr lang="ru-RU" dirty="0" err="1">
                 <a:latin typeface="Times New Roman" panose="02020603050405020304" pitchFamily="18" charset="0"/>
                 <a:cs typeface="Times New Roman" panose="02020603050405020304" pitchFamily="18" charset="0"/>
               </a:rPr>
-              <a:t>автомобиля.</a:t>
-            </a:r>
+              <a:t>шиномонтажа</a:t>
+            </a:r>
+            <a:r>
+              <a:rPr lang="ru-RU" dirty="0">
+                <a:latin typeface="Times New Roman" panose="02020603050405020304" pitchFamily="18" charset="0"/>
+                <a:cs typeface="Times New Roman" panose="02020603050405020304" pitchFamily="18" charset="0"/>
+              </a:rPr>
+              <a:t> способствует поддержанию технической исправности автомобилей, что в свою очередь снижает вероятность дорожно-транспортных происшествий и повышает общую безопасность на дорогах.</a:t>
+            </a:r>
+          </a:p>
+          <a:p>
+            <a:pPr marL="342900" indent="-342900" algn="just">
+              <a:buFont typeface="+mj-lt"/>
+              <a:buAutoNum type="arabicPeriod"/>
+            </a:pPr>
+            <a:r>
+              <a:rPr lang="ru-RU" dirty="0">
+                <a:latin typeface="Times New Roman" panose="02020603050405020304" pitchFamily="18" charset="0"/>
+                <a:cs typeface="Times New Roman" panose="02020603050405020304" pitchFamily="18" charset="0"/>
+              </a:rPr>
+              <a:t>Повышение уровня сервиса: Постоянное развитие и улучшение функционала платформы, в том числе предоставление онлайн-консультаций и поддержки, повышает уровень обслуживания клиентов, что способствует формированию положительного имиджа компании.</a:t>
+            </a:r>
+          </a:p>
+          <a:p>
+            <a:pPr lvl="0" algn="just"/>
             <a:endParaRPr lang="ru-RU" dirty="0" smtClean="0">
               <a:solidFill>
                 <a:prstClr val="black"/>
@@ -4271,20 +4953,6 @@
               </a:rPr>
               <a:t>	</a:t>
             </a:r>
-            <a:r>
-              <a:rPr lang="ru-RU" dirty="0" smtClean="0">
-                <a:latin typeface="Times New Roman" panose="02020603050405020304" pitchFamily="18" charset="0"/>
-                <a:cs typeface="Times New Roman" panose="02020603050405020304" pitchFamily="18" charset="0"/>
-              </a:rPr>
-              <a:t>Соответственно, </a:t>
-            </a:r>
-            <a:r>
-              <a:rPr lang="ru-RU" dirty="0">
-                <a:latin typeface="Times New Roman" panose="02020603050405020304" pitchFamily="18" charset="0"/>
-                <a:cs typeface="Times New Roman" panose="02020603050405020304" pitchFamily="18" charset="0"/>
-              </a:rPr>
-              <a:t>данный проект имеет значительное влияние на сферу автомобильной торговли, обеспечивая клиентам более удобный и доступный способ выбора и приобретения автомобиля.</a:t>
-            </a:r>
             <a:endParaRPr lang="ru-RU" dirty="0">
               <a:solidFill>
                 <a:prstClr val="black"/>
@@ -4323,12 +4991,31 @@
               <a:cs typeface="Times New Roman" panose="02020603050405020304" pitchFamily="18" charset="0"/>
             </a:endParaRPr>
           </a:p>
-          <a:p>
-            <a:pPr lvl="0" algn="just"/>
+        </p:txBody>
+      </p:sp>
+      <p:sp>
+        <p:nvSpPr>
+          <p:cNvPr id="3" name="Номер слайда 2"/>
+          <p:cNvSpPr>
+            <a:spLocks noGrp="1"/>
+          </p:cNvSpPr>
+          <p:nvPr>
+            <p:ph type="sldNum" sz="quarter" idx="12"/>
+          </p:nvPr>
+        </p:nvSpPr>
+        <p:spPr/>
+        <p:txBody>
+          <a:bodyPr/>
+          <a:lstStyle/>
+          <a:p>
+            <a:fld id="{3582650B-22EC-4DD7-A3AF-1AFC60778833}" type="slidenum">
+              <a:rPr lang="ru-RU" smtClean="0">
+                <a:latin typeface="Times New Roman" panose="02020603050405020304" pitchFamily="18" charset="0"/>
+                <a:cs typeface="Times New Roman" panose="02020603050405020304" pitchFamily="18" charset="0"/>
+              </a:rPr>
+              <a:t>4</a:t>
+            </a:fld>
             <a:endParaRPr lang="ru-RU" dirty="0">
-              <a:solidFill>
-                <a:prstClr val="black"/>
-              </a:solidFill>
               <a:latin typeface="Times New Roman" panose="02020603050405020304" pitchFamily="18" charset="0"/>
               <a:cs typeface="Times New Roman" panose="02020603050405020304" pitchFamily="18" charset="0"/>
             </a:endParaRPr>
@@ -4434,13 +5121,13 @@
           <p:nvPr>
             <p:extLst>
               <p:ext uri="{D42A27DB-BD31-4B8C-83A1-F6EECF244321}">
-                <p14:modId xmlns:p14="http://schemas.microsoft.com/office/powerpoint/2010/main" val="528831969"/>
+                <p14:modId xmlns:p14="http://schemas.microsoft.com/office/powerpoint/2010/main" val="3754875668"/>
               </p:ext>
             </p:extLst>
           </p:nvPr>
         </p:nvGraphicFramePr>
         <p:xfrm>
-          <a:off x="896983" y="1062446"/>
+          <a:off x="912223" y="936010"/>
           <a:ext cx="10441577" cy="5519406"/>
         </p:xfrm>
         <a:graphic>
@@ -9100,6 +9787,40 @@
           </a:graphicData>
         </a:graphic>
       </p:graphicFrame>
+      <p:sp>
+        <p:nvSpPr>
+          <p:cNvPr id="2" name="Номер слайда 1"/>
+          <p:cNvSpPr>
+            <a:spLocks noGrp="1"/>
+          </p:cNvSpPr>
+          <p:nvPr>
+            <p:ph type="sldNum" sz="quarter" idx="12"/>
+          </p:nvPr>
+        </p:nvSpPr>
+        <p:spPr>
+          <a:xfrm>
+            <a:off x="8610600" y="6455416"/>
+            <a:ext cx="2743200" cy="365125"/>
+          </a:xfrm>
+        </p:spPr>
+        <p:txBody>
+          <a:bodyPr/>
+          <a:lstStyle/>
+          <a:p>
+            <a:fld id="{3582650B-22EC-4DD7-A3AF-1AFC60778833}" type="slidenum">
+              <a:rPr lang="ru-RU" smtClean="0">
+                <a:latin typeface="Times New Roman" panose="02020603050405020304" pitchFamily="18" charset="0"/>
+                <a:cs typeface="Times New Roman" panose="02020603050405020304" pitchFamily="18" charset="0"/>
+              </a:rPr>
+              <a:t>5</a:t>
+            </a:fld>
+            <a:endParaRPr lang="ru-RU" dirty="0">
+              <a:latin typeface="Times New Roman" panose="02020603050405020304" pitchFamily="18" charset="0"/>
+              <a:cs typeface="Times New Roman" panose="02020603050405020304" pitchFamily="18" charset="0"/>
+            </a:endParaRPr>
+          </a:p>
+        </p:txBody>
+      </p:sp>
     </p:spTree>
     <p:extLst>
       <p:ext uri="{BB962C8B-B14F-4D97-AF65-F5344CB8AC3E}">
@@ -12564,6 +13285,35 @@
           </a:graphicData>
         </a:graphic>
       </p:graphicFrame>
+      <p:sp>
+        <p:nvSpPr>
+          <p:cNvPr id="2" name="Номер слайда 1"/>
+          <p:cNvSpPr>
+            <a:spLocks noGrp="1"/>
+          </p:cNvSpPr>
+          <p:nvPr>
+            <p:ph type="sldNum" sz="quarter" idx="12"/>
+          </p:nvPr>
+        </p:nvSpPr>
+        <p:spPr/>
+        <p:txBody>
+          <a:bodyPr/>
+          <a:lstStyle/>
+          <a:p>
+            <a:fld id="{3582650B-22EC-4DD7-A3AF-1AFC60778833}" type="slidenum">
+              <a:rPr lang="ru-RU" smtClean="0">
+                <a:latin typeface="Times New Roman" panose="02020603050405020304" pitchFamily="18" charset="0"/>
+                <a:cs typeface="Times New Roman" panose="02020603050405020304" pitchFamily="18" charset="0"/>
+              </a:rPr>
+              <a:t>6</a:t>
+            </a:fld>
+            <a:endParaRPr lang="ru-RU" dirty="0">
+              <a:latin typeface="Times New Roman" panose="02020603050405020304" pitchFamily="18" charset="0"/>
+              <a:cs typeface="Times New Roman" panose="02020603050405020304" pitchFamily="18" charset="0"/>
+            </a:endParaRPr>
+          </a:p>
+        </p:txBody>
+      </p:sp>
     </p:spTree>
     <p:extLst>
       <p:ext uri="{BB962C8B-B14F-4D97-AF65-F5344CB8AC3E}">
@@ -12829,6 +13579,35 @@
               <a:effectLst/>
               <a:latin typeface="Times New Roman" panose="02020603050405020304" pitchFamily="18" charset="0"/>
               <a:ea typeface="Calibri" panose="020F0502020204030204" pitchFamily="34" charset="0"/>
+              <a:cs typeface="Times New Roman" panose="02020603050405020304" pitchFamily="18" charset="0"/>
+            </a:endParaRPr>
+          </a:p>
+        </p:txBody>
+      </p:sp>
+      <p:sp>
+        <p:nvSpPr>
+          <p:cNvPr id="3" name="Номер слайда 2"/>
+          <p:cNvSpPr>
+            <a:spLocks noGrp="1"/>
+          </p:cNvSpPr>
+          <p:nvPr>
+            <p:ph type="sldNum" sz="quarter" idx="12"/>
+          </p:nvPr>
+        </p:nvSpPr>
+        <p:spPr/>
+        <p:txBody>
+          <a:bodyPr/>
+          <a:lstStyle/>
+          <a:p>
+            <a:fld id="{3582650B-22EC-4DD7-A3AF-1AFC60778833}" type="slidenum">
+              <a:rPr lang="ru-RU" smtClean="0">
+                <a:latin typeface="Times New Roman" panose="02020603050405020304" pitchFamily="18" charset="0"/>
+                <a:cs typeface="Times New Roman" panose="02020603050405020304" pitchFamily="18" charset="0"/>
+              </a:rPr>
+              <a:t>7</a:t>
+            </a:fld>
+            <a:endParaRPr lang="ru-RU" dirty="0">
+              <a:latin typeface="Times New Roman" panose="02020603050405020304" pitchFamily="18" charset="0"/>
               <a:cs typeface="Times New Roman" panose="02020603050405020304" pitchFamily="18" charset="0"/>
             </a:endParaRPr>
           </a:p>
@@ -12932,6 +13711,35 @@
           </a:prstGeom>
         </p:spPr>
       </p:pic>
+      <p:sp>
+        <p:nvSpPr>
+          <p:cNvPr id="4" name="Номер слайда 3"/>
+          <p:cNvSpPr>
+            <a:spLocks noGrp="1"/>
+          </p:cNvSpPr>
+          <p:nvPr>
+            <p:ph type="sldNum" sz="quarter" idx="12"/>
+          </p:nvPr>
+        </p:nvSpPr>
+        <p:spPr/>
+        <p:txBody>
+          <a:bodyPr/>
+          <a:lstStyle/>
+          <a:p>
+            <a:fld id="{3582650B-22EC-4DD7-A3AF-1AFC60778833}" type="slidenum">
+              <a:rPr lang="ru-RU" smtClean="0">
+                <a:latin typeface="Times New Roman" panose="02020603050405020304" pitchFamily="18" charset="0"/>
+                <a:cs typeface="Times New Roman" panose="02020603050405020304" pitchFamily="18" charset="0"/>
+              </a:rPr>
+              <a:t>8</a:t>
+            </a:fld>
+            <a:endParaRPr lang="ru-RU" dirty="0">
+              <a:latin typeface="Times New Roman" panose="02020603050405020304" pitchFamily="18" charset="0"/>
+              <a:cs typeface="Times New Roman" panose="02020603050405020304" pitchFamily="18" charset="0"/>
+            </a:endParaRPr>
+          </a:p>
+        </p:txBody>
+      </p:sp>
     </p:spTree>
     <p:extLst>
       <p:ext uri="{BB962C8B-B14F-4D97-AF65-F5344CB8AC3E}">
@@ -13006,9 +13814,38 @@
           </a:p>
         </p:txBody>
       </p:sp>
+      <p:sp>
+        <p:nvSpPr>
+          <p:cNvPr id="4" name="Номер слайда 3"/>
+          <p:cNvSpPr>
+            <a:spLocks noGrp="1"/>
+          </p:cNvSpPr>
+          <p:nvPr>
+            <p:ph type="sldNum" sz="quarter" idx="12"/>
+          </p:nvPr>
+        </p:nvSpPr>
+        <p:spPr/>
+        <p:txBody>
+          <a:bodyPr/>
+          <a:lstStyle/>
+          <a:p>
+            <a:fld id="{3582650B-22EC-4DD7-A3AF-1AFC60778833}" type="slidenum">
+              <a:rPr lang="ru-RU" smtClean="0">
+                <a:latin typeface="Times New Roman" panose="02020603050405020304" pitchFamily="18" charset="0"/>
+                <a:cs typeface="Times New Roman" panose="02020603050405020304" pitchFamily="18" charset="0"/>
+              </a:rPr>
+              <a:t>9</a:t>
+            </a:fld>
+            <a:endParaRPr lang="ru-RU" dirty="0">
+              <a:latin typeface="Times New Roman" panose="02020603050405020304" pitchFamily="18" charset="0"/>
+              <a:cs typeface="Times New Roman" panose="02020603050405020304" pitchFamily="18" charset="0"/>
+            </a:endParaRPr>
+          </a:p>
+        </p:txBody>
+      </p:sp>
       <p:pic>
         <p:nvPicPr>
-          <p:cNvPr id="3" name="Рисунок 2"/>
+          <p:cNvPr id="5" name="Рисунок 4"/>
           <p:cNvPicPr>
             <a:picLocks noChangeAspect="1"/>
           </p:cNvPicPr>
@@ -13022,8 +13859,8 @@
         </p:blipFill>
         <p:spPr>
           <a:xfrm>
-            <a:off x="471484" y="1018563"/>
-            <a:ext cx="11249031" cy="5181940"/>
+            <a:off x="379749" y="859103"/>
+            <a:ext cx="11432502" cy="5260024"/>
           </a:xfrm>
           <a:prstGeom prst="rect">
             <a:avLst/>
@@ -13314,4 +14151,265 @@
     </a:ext>
   </a:extLst>
 </a:theme>
+</file>
+
+<file path=ppt/theme/theme2.xml><?xml version="1.0" encoding="utf-8"?>
+<a:theme xmlns:a="http://schemas.openxmlformats.org/drawingml/2006/main" name="Тема Office">
+  <a:themeElements>
+    <a:clrScheme name="Стандартная">
+      <a:dk1>
+        <a:sysClr val="windowText" lastClr="000000"/>
+      </a:dk1>
+      <a:lt1>
+        <a:sysClr val="window" lastClr="FFFFFF"/>
+      </a:lt1>
+      <a:dk2>
+        <a:srgbClr val="44546A"/>
+      </a:dk2>
+      <a:lt2>
+        <a:srgbClr val="E7E6E6"/>
+      </a:lt2>
+      <a:accent1>
+        <a:srgbClr val="5B9BD5"/>
+      </a:accent1>
+      <a:accent2>
+        <a:srgbClr val="ED7D31"/>
+      </a:accent2>
+      <a:accent3>
+        <a:srgbClr val="A5A5A5"/>
+      </a:accent3>
+      <a:accent4>
+        <a:srgbClr val="FFC000"/>
+      </a:accent4>
+      <a:accent5>
+        <a:srgbClr val="4472C4"/>
+      </a:accent5>
+      <a:accent6>
+        <a:srgbClr val="70AD47"/>
+      </a:accent6>
+      <a:hlink>
+        <a:srgbClr val="0563C1"/>
+      </a:hlink>
+      <a:folHlink>
+        <a:srgbClr val="954F72"/>
+      </a:folHlink>
+    </a:clrScheme>
+    <a:fontScheme name="Стандартная">
+      <a:majorFont>
+        <a:latin typeface="Calibri Light" panose="020F0302020204030204"/>
+        <a:ea typeface=""/>
+        <a:cs typeface=""/>
+        <a:font script="Jpan" typeface="游ゴシック Light"/>
+        <a:font script="Hang" typeface="맑은 고딕"/>
+        <a:font script="Hans" typeface="等线 Light"/>
+        <a:font script="Hant" typeface="新細明體"/>
+        <a:font script="Arab" typeface="Times New Roman"/>
+        <a:font script="Hebr" typeface="Times New Roman"/>
+        <a:font script="Thai" typeface="Angsana New"/>
+        <a:font script="Ethi" typeface="Nyala"/>
+        <a:font script="Beng" typeface="Vrinda"/>
+        <a:font script="Gujr" typeface="Shruti"/>
+        <a:font script="Khmr" typeface="MoolBoran"/>
+        <a:font script="Knda" typeface="Tunga"/>
+        <a:font script="Guru" typeface="Raavi"/>
+        <a:font script="Cans" typeface="Euphemia"/>
+        <a:font script="Cher" typeface="Plantagenet Cherokee"/>
+        <a:font script="Yiii" typeface="Microsoft Yi Baiti"/>
+        <a:font script="Tibt" typeface="Microsoft Himalaya"/>
+        <a:font script="Thaa" typeface="MV Boli"/>
+        <a:font script="Deva" typeface="Mangal"/>
+        <a:font script="Telu" typeface="Gautami"/>
+        <a:font script="Taml" typeface="Latha"/>
+        <a:font script="Syrc" typeface="Estrangelo Edessa"/>
+        <a:font script="Orya" typeface="Kalinga"/>
+        <a:font script="Mlym" typeface="Kartika"/>
+        <a:font script="Laoo" typeface="DokChampa"/>
+        <a:font script="Sinh" typeface="Iskoola Pota"/>
+        <a:font script="Mong" typeface="Mongolian Baiti"/>
+        <a:font script="Viet" typeface="Times New Roman"/>
+        <a:font script="Uigh" typeface="Microsoft Uighur"/>
+        <a:font script="Geor" typeface="Sylfaen"/>
+      </a:majorFont>
+      <a:minorFont>
+        <a:latin typeface="Calibri" panose="020F0502020204030204"/>
+        <a:ea typeface=""/>
+        <a:cs typeface=""/>
+        <a:font script="Jpan" typeface="游ゴシック"/>
+        <a:font script="Hang" typeface="맑은 고딕"/>
+        <a:font script="Hans" typeface="等线"/>
+        <a:font script="Hant" typeface="新細明體"/>
+        <a:font script="Arab" typeface="Arial"/>
+        <a:font script="Hebr" typeface="Arial"/>
+        <a:font script="Thai" typeface="Cordia New"/>
+        <a:font script="Ethi" typeface="Nyala"/>
+        <a:font script="Beng" typeface="Vrinda"/>
+        <a:font script="Gujr" typeface="Shruti"/>
+        <a:font script="Khmr" typeface="DaunPenh"/>
+        <a:font script="Knda" typeface="Tunga"/>
+        <a:font script="Guru" typeface="Raavi"/>
+        <a:font script="Cans" typeface="Euphemia"/>
+        <a:font script="Cher" typeface="Plantagenet Cherokee"/>
+        <a:font script="Yiii" typeface="Microsoft Yi Baiti"/>
+        <a:font script="Tibt" typeface="Microsoft Himalaya"/>
+        <a:font script="Thaa" typeface="MV Boli"/>
+        <a:font script="Deva" typeface="Mangal"/>
+        <a:font script="Telu" typeface="Gautami"/>
+        <a:font script="Taml" typeface="Latha"/>
+        <a:font script="Syrc" typeface="Estrangelo Edessa"/>
+        <a:font script="Orya" typeface="Kalinga"/>
+        <a:font script="Mlym" typeface="Kartika"/>
+        <a:font script="Laoo" typeface="DokChampa"/>
+        <a:font script="Sinh" typeface="Iskoola Pota"/>
+        <a:font script="Mong" typeface="Mongolian Baiti"/>
+        <a:font script="Viet" typeface="Arial"/>
+        <a:font script="Uigh" typeface="Microsoft Uighur"/>
+        <a:font script="Geor" typeface="Sylfaen"/>
+      </a:minorFont>
+    </a:fontScheme>
+    <a:fmtScheme name="Стандартная">
+      <a:fillStyleLst>
+        <a:solidFill>
+          <a:schemeClr val="phClr"/>
+        </a:solidFill>
+        <a:gradFill rotWithShape="1">
+          <a:gsLst>
+            <a:gs pos="0">
+              <a:schemeClr val="phClr">
+                <a:lumMod val="110000"/>
+                <a:satMod val="105000"/>
+                <a:tint val="67000"/>
+              </a:schemeClr>
+            </a:gs>
+            <a:gs pos="50000">
+              <a:schemeClr val="phClr">
+                <a:lumMod val="105000"/>
+                <a:satMod val="103000"/>
+                <a:tint val="73000"/>
+              </a:schemeClr>
+            </a:gs>
+            <a:gs pos="100000">
+              <a:schemeClr val="phClr">
+                <a:lumMod val="105000"/>
+                <a:satMod val="109000"/>
+                <a:tint val="81000"/>
+              </a:schemeClr>
+            </a:gs>
+          </a:gsLst>
+          <a:lin ang="5400000" scaled="0"/>
+        </a:gradFill>
+        <a:gradFill rotWithShape="1">
+          <a:gsLst>
+            <a:gs pos="0">
+              <a:schemeClr val="phClr">
+                <a:satMod val="103000"/>
+                <a:lumMod val="102000"/>
+                <a:tint val="94000"/>
+              </a:schemeClr>
+            </a:gs>
+            <a:gs pos="50000">
+              <a:schemeClr val="phClr">
+                <a:satMod val="110000"/>
+                <a:lumMod val="100000"/>
+                <a:shade val="100000"/>
+              </a:schemeClr>
+            </a:gs>
+            <a:gs pos="100000">
+              <a:schemeClr val="phClr">
+                <a:lumMod val="99000"/>
+                <a:satMod val="120000"/>
+                <a:shade val="78000"/>
+              </a:schemeClr>
+            </a:gs>
+          </a:gsLst>
+          <a:lin ang="5400000" scaled="0"/>
+        </a:gradFill>
+      </a:fillStyleLst>
+      <a:lnStyleLst>
+        <a:ln w="6350" cap="flat" cmpd="sng" algn="ctr">
+          <a:solidFill>
+            <a:schemeClr val="phClr"/>
+          </a:solidFill>
+          <a:prstDash val="solid"/>
+          <a:miter lim="800000"/>
+        </a:ln>
+        <a:ln w="12700" cap="flat" cmpd="sng" algn="ctr">
+          <a:solidFill>
+            <a:schemeClr val="phClr"/>
+          </a:solidFill>
+          <a:prstDash val="solid"/>
+          <a:miter lim="800000"/>
+        </a:ln>
+        <a:ln w="19050" cap="flat" cmpd="sng" algn="ctr">
+          <a:solidFill>
+            <a:schemeClr val="phClr"/>
+          </a:solidFill>
+          <a:prstDash val="solid"/>
+          <a:miter lim="800000"/>
+        </a:ln>
+      </a:lnStyleLst>
+      <a:effectStyleLst>
+        <a:effectStyle>
+          <a:effectLst/>
+        </a:effectStyle>
+        <a:effectStyle>
+          <a:effectLst/>
+        </a:effectStyle>
+        <a:effectStyle>
+          <a:effectLst>
+            <a:outerShdw blurRad="57150" dist="19050" dir="5400000" algn="ctr" rotWithShape="0">
+              <a:srgbClr val="000000">
+                <a:alpha val="63000"/>
+              </a:srgbClr>
+            </a:outerShdw>
+          </a:effectLst>
+        </a:effectStyle>
+      </a:effectStyleLst>
+      <a:bgFillStyleLst>
+        <a:solidFill>
+          <a:schemeClr val="phClr"/>
+        </a:solidFill>
+        <a:solidFill>
+          <a:schemeClr val="phClr">
+            <a:tint val="95000"/>
+            <a:satMod val="170000"/>
+          </a:schemeClr>
+        </a:solidFill>
+        <a:gradFill rotWithShape="1">
+          <a:gsLst>
+            <a:gs pos="0">
+              <a:schemeClr val="phClr">
+                <a:tint val="93000"/>
+                <a:satMod val="150000"/>
+                <a:shade val="98000"/>
+                <a:lumMod val="102000"/>
+              </a:schemeClr>
+            </a:gs>
+            <a:gs pos="50000">
+              <a:schemeClr val="phClr">
+                <a:tint val="98000"/>
+                <a:satMod val="130000"/>
+                <a:shade val="90000"/>
+                <a:lumMod val="103000"/>
+              </a:schemeClr>
+            </a:gs>
+            <a:gs pos="100000">
+              <a:schemeClr val="phClr">
+                <a:shade val="63000"/>
+                <a:satMod val="120000"/>
+              </a:schemeClr>
+            </a:gs>
+          </a:gsLst>
+          <a:lin ang="5400000" scaled="0"/>
+        </a:gradFill>
+      </a:bgFillStyleLst>
+    </a:fmtScheme>
+  </a:themeElements>
+  <a:objectDefaults/>
+  <a:extraClrSchemeLst/>
+  <a:extLst>
+    <a:ext uri="{05A4C25C-085E-4340-85A3-A5531E510DB2}">
+      <thm15:themeFamily xmlns:thm15="http://schemas.microsoft.com/office/thememl/2012/main" name="Office Theme" id="{62F939B6-93AF-4DB8-9C6B-D6C7DFDC589F}" vid="{4A3C46E8-61CC-4603-A589-7422A47A8E4A}"/>
+    </a:ext>
+  </a:extLst>
+</a:theme>
 </file>
--- a/Модуль5_Серых.pptx
+++ b/Модуль5_Серых.pptx
@@ -4391,7 +4391,7 @@
         <p:spPr>
           <a:xfrm>
             <a:off x="818605" y="474345"/>
-            <a:ext cx="10589623" cy="6186309"/>
+            <a:ext cx="10589623" cy="6740307"/>
           </a:xfrm>
           <a:prstGeom prst="rect">
             <a:avLst/>
@@ -4518,7 +4518,7 @@
                 <a:latin typeface="Times New Roman" panose="02020603050405020304" pitchFamily="18" charset="0"/>
                 <a:cs typeface="Times New Roman" panose="02020603050405020304" pitchFamily="18" charset="0"/>
               </a:rPr>
-              <a:t>Разработка удобного интерфейса веб-платформы с интуитивно понятной навигацией для поиска и выбора товаров</a:t>
+              <a:t>Выделить и проанализировать основные расходы клиентов в автосалоне</a:t>
             </a:r>
             <a:r>
               <a:rPr lang="ru-RU" dirty="0" smtClean="0">
@@ -4538,61 +4538,7 @@
                 <a:latin typeface="Times New Roman" panose="02020603050405020304" pitchFamily="18" charset="0"/>
                 <a:cs typeface="Times New Roman" panose="02020603050405020304" pitchFamily="18" charset="0"/>
               </a:rPr>
-              <a:t>Создание подробных каталогов автомобилей, запчастей и аксессуаров с фильтрами для быстрого поиска.</a:t>
-            </a:r>
-          </a:p>
-          <a:p>
-            <a:pPr marL="342900" indent="-342900" algn="just">
-              <a:buFont typeface="+mj-lt"/>
-              <a:buAutoNum type="arabicPeriod"/>
-            </a:pPr>
-            <a:r>
-              <a:rPr lang="ru-RU" dirty="0">
-                <a:latin typeface="Times New Roman" panose="02020603050405020304" pitchFamily="18" charset="0"/>
-                <a:cs typeface="Times New Roman" panose="02020603050405020304" pitchFamily="18" charset="0"/>
-              </a:rPr>
-              <a:t>Создание информационных разделов о предоставляемых услугах: техосмотр, </a:t>
-            </a:r>
-            <a:r>
-              <a:rPr lang="ru-RU" dirty="0" err="1">
-                <a:latin typeface="Times New Roman" panose="02020603050405020304" pitchFamily="18" charset="0"/>
-                <a:cs typeface="Times New Roman" panose="02020603050405020304" pitchFamily="18" charset="0"/>
-              </a:rPr>
-              <a:t>шиномонтаж</a:t>
-            </a:r>
-            <a:r>
-              <a:rPr lang="ru-RU" dirty="0">
-                <a:latin typeface="Times New Roman" panose="02020603050405020304" pitchFamily="18" charset="0"/>
-                <a:cs typeface="Times New Roman" panose="02020603050405020304" pitchFamily="18" charset="0"/>
-              </a:rPr>
-              <a:t>, страхование, кредитование.</a:t>
-            </a:r>
-          </a:p>
-          <a:p>
-            <a:pPr marL="342900" indent="-342900" algn="just">
-              <a:buFont typeface="+mj-lt"/>
-              <a:buAutoNum type="arabicPeriod"/>
-            </a:pPr>
-            <a:r>
-              <a:rPr lang="ru-RU" dirty="0">
-                <a:latin typeface="Times New Roman" panose="02020603050405020304" pitchFamily="18" charset="0"/>
-                <a:cs typeface="Times New Roman" panose="02020603050405020304" pitchFamily="18" charset="0"/>
-              </a:rPr>
-              <a:t>О</a:t>
-            </a:r>
-            <a:r>
-              <a:rPr lang="ru-RU" dirty="0" smtClean="0">
-                <a:latin typeface="Times New Roman" panose="02020603050405020304" pitchFamily="18" charset="0"/>
-                <a:cs typeface="Times New Roman" panose="02020603050405020304" pitchFamily="18" charset="0"/>
-              </a:rPr>
-              <a:t>рганизация </a:t>
-            </a:r>
-            <a:r>
-              <a:rPr lang="ru-RU" dirty="0">
-                <a:latin typeface="Times New Roman" panose="02020603050405020304" pitchFamily="18" charset="0"/>
-                <a:cs typeface="Times New Roman" panose="02020603050405020304" pitchFamily="18" charset="0"/>
-              </a:rPr>
-              <a:t>акций и специальных предложений для привлечения клиентов и стимулирования использования услуг</a:t>
+              <a:t>Улучшение интернет-присутствия компании, включая возможность онлайн-записи на тест-драйвы, онлайн-консультации с менеджерами, а также возможность оформления покупки автомобиля через веб-сайт</a:t>
             </a:r>
             <a:r>
               <a:rPr lang="ru-RU" dirty="0" smtClean="0">
@@ -4601,6 +4547,10 @@
               </a:rPr>
               <a:t>.</a:t>
             </a:r>
+            <a:endParaRPr lang="ru-RU" dirty="0" smtClean="0">
+              <a:latin typeface="Times New Roman" panose="02020603050405020304" pitchFamily="18" charset="0"/>
+              <a:cs typeface="Times New Roman" panose="02020603050405020304" pitchFamily="18" charset="0"/>
+            </a:endParaRPr>
           </a:p>
           <a:p>
             <a:pPr marL="342900" indent="-342900" algn="just">
@@ -4612,37 +4562,75 @@
                 <a:latin typeface="Times New Roman" panose="02020603050405020304" pitchFamily="18" charset="0"/>
                 <a:cs typeface="Times New Roman" panose="02020603050405020304" pitchFamily="18" charset="0"/>
               </a:rPr>
-              <a:t>П</a:t>
+              <a:t>Разработать соглашения и условия, которые будут наиболее выгодны клиентам</a:t>
             </a:r>
             <a:r>
               <a:rPr lang="ru-RU" dirty="0" smtClean="0">
                 <a:latin typeface="Times New Roman" panose="02020603050405020304" pitchFamily="18" charset="0"/>
                 <a:cs typeface="Times New Roman" panose="02020603050405020304" pitchFamily="18" charset="0"/>
               </a:rPr>
-              <a:t>редоставление </a:t>
-            </a:r>
+              <a:t>.</a:t>
+            </a:r>
+          </a:p>
+          <a:p>
+            <a:pPr marL="342900" indent="-342900" algn="just">
+              <a:buFont typeface="+mj-lt"/>
+              <a:buAutoNum type="arabicPeriod"/>
+            </a:pPr>
             <a:r>
               <a:rPr lang="ru-RU" dirty="0">
                 <a:latin typeface="Times New Roman" panose="02020603050405020304" pitchFamily="18" charset="0"/>
                 <a:cs typeface="Times New Roman" panose="02020603050405020304" pitchFamily="18" charset="0"/>
               </a:rPr>
-              <a:t>возможности записи на </a:t>
+              <a:t>Создать набор инструкций по привлечению клиентов</a:t>
             </a:r>
             <a:r>
               <a:rPr lang="ru-RU" dirty="0" smtClean="0">
                 <a:latin typeface="Times New Roman" panose="02020603050405020304" pitchFamily="18" charset="0"/>
                 <a:cs typeface="Times New Roman" panose="02020603050405020304" pitchFamily="18" charset="0"/>
               </a:rPr>
-              <a:t>техосмотры </a:t>
-            </a:r>
+              <a:t>.</a:t>
+            </a:r>
+          </a:p>
+          <a:p>
+            <a:pPr marL="342900" indent="-342900" algn="just">
+              <a:buFont typeface="+mj-lt"/>
+              <a:buAutoNum type="arabicPeriod"/>
+            </a:pPr>
             <a:r>
               <a:rPr lang="ru-RU" dirty="0">
                 <a:latin typeface="Times New Roman" panose="02020603050405020304" pitchFamily="18" charset="0"/>
                 <a:cs typeface="Times New Roman" panose="02020603050405020304" pitchFamily="18" charset="0"/>
               </a:rPr>
-              <a:t>различных моделей автомобилей с учетом пожеланий и предпочтений клиентов.</a:t>
-            </a:r>
-            <a:endParaRPr lang="ru-RU" dirty="0">
+              <a:t>Организация специального мероприятия, в рамках которого потенциальные клиенты смогут посетить автосалон, ознакомиться с моделями автомобилей, получить консультацию от экспертов и участвовать в акциях и розыгрышах призов</a:t>
+            </a:r>
+            <a:r>
+              <a:rPr lang="ru-RU" dirty="0" smtClean="0">
+                <a:latin typeface="Times New Roman" panose="02020603050405020304" pitchFamily="18" charset="0"/>
+                <a:cs typeface="Times New Roman" panose="02020603050405020304" pitchFamily="18" charset="0"/>
+              </a:rPr>
+              <a:t>.</a:t>
+            </a:r>
+          </a:p>
+          <a:p>
+            <a:pPr marL="342900" lvl="0" indent="-342900" algn="just">
+              <a:buFont typeface="+mj-lt"/>
+              <a:buAutoNum type="arabicPeriod"/>
+            </a:pPr>
+            <a:r>
+              <a:rPr lang="ru-RU" dirty="0">
+                <a:latin typeface="Times New Roman" panose="02020603050405020304" pitchFamily="18" charset="0"/>
+                <a:cs typeface="Times New Roman" panose="02020603050405020304" pitchFamily="18" charset="0"/>
+              </a:rPr>
+              <a:t>Разработка специальной программы, позволяющей клиентам обменивать свой текущий автомобиль на новый с доплатой или без нее.</a:t>
+            </a:r>
+          </a:p>
+          <a:p>
+            <a:pPr marL="342900" indent="-342900" algn="just">
+              <a:buFont typeface="+mj-lt"/>
+              <a:buAutoNum type="arabicPeriod"/>
+            </a:pPr>
+            <a:endParaRPr lang="ru-RU" dirty="0" smtClean="0">
               <a:solidFill>
                 <a:prstClr val="black"/>
               </a:solidFill>
